--- a/work/__NEWEST__/KaG/220807_ASN_GRANARCHISM.pptx
+++ b/work/__NEWEST__/KaG/220807_ASN_GRANARCHISM.pptx
@@ -23,6 +23,12 @@
     <p:sldId id="270" r:id="rId18"/>
     <p:sldId id="271" r:id="rId19"/>
     <p:sldId id="272" r:id="rId20"/>
+    <p:sldId id="273" r:id="rId21"/>
+    <p:sldId id="274" r:id="rId22"/>
+    <p:sldId id="275" r:id="rId23"/>
+    <p:sldId id="276" r:id="rId24"/>
+    <p:sldId id="277" r:id="rId25"/>
+    <p:sldId id="278" r:id="rId26"/>
   </p:sldIdLst>
   <p:sldSz cx="9144000" cy="6858000"/>
   <p:notesSz cx="7772400" cy="10058400"/>
@@ -2729,8 +2735,8 @@
         </p:nvSpPr>
         <p:spPr>
           <a:xfrm>
-            <a:off x="457200" y="274680"/>
-            <a:ext cx="8228880" cy="1142280"/>
+            <a:off x="457200" y="273600"/>
+            <a:ext cx="8228880" cy="1144440"/>
           </a:xfrm>
           <a:prstGeom prst="rect">
             <a:avLst/>
@@ -2764,7 +2770,7 @@
         <p:spPr>
           <a:xfrm>
             <a:off x="457200" y="1604520"/>
-            <a:ext cx="8229240" cy="3977280"/>
+            <a:ext cx="8228880" cy="3976920"/>
           </a:xfrm>
           <a:prstGeom prst="rect">
             <a:avLst/>
@@ -2787,12 +2793,12 @@
               <a:buChar char=""/>
             </a:pPr>
             <a:r>
-              <a:rPr b="0" lang="en-US" sz="3200" spc="-1" strike="noStrike">
+              <a:rPr b="0" lang="en-US" sz="1800" spc="-1" strike="noStrike">
                 <a:latin typeface="Arial"/>
               </a:rPr>
               <a:t>Click to edit the outline text format</a:t>
             </a:r>
-            <a:endParaRPr b="0" lang="en-US" sz="3200" spc="-1" strike="noStrike">
+            <a:endParaRPr b="0" lang="en-US" sz="1800" spc="-1" strike="noStrike">
               <a:latin typeface="Arial"/>
             </a:endParaRPr>
           </a:p>
@@ -2809,12 +2815,12 @@
               <a:buChar char=""/>
             </a:pPr>
             <a:r>
-              <a:rPr b="0" lang="en-US" sz="2800" spc="-1" strike="noStrike">
+              <a:rPr b="0" lang="en-US" sz="1800" spc="-1" strike="noStrike">
                 <a:latin typeface="Arial"/>
               </a:rPr>
               <a:t>Second Outline Level</a:t>
             </a:r>
-            <a:endParaRPr b="0" lang="en-US" sz="2800" spc="-1" strike="noStrike">
+            <a:endParaRPr b="0" lang="en-US" sz="1800" spc="-1" strike="noStrike">
               <a:latin typeface="Arial"/>
             </a:endParaRPr>
           </a:p>
@@ -2831,12 +2837,12 @@
               <a:buChar char=""/>
             </a:pPr>
             <a:r>
-              <a:rPr b="0" lang="en-US" sz="2400" spc="-1" strike="noStrike">
+              <a:rPr b="0" lang="en-US" sz="1800" spc="-1" strike="noStrike">
                 <a:latin typeface="Arial"/>
               </a:rPr>
               <a:t>Third Outline Level</a:t>
             </a:r>
-            <a:endParaRPr b="0" lang="en-US" sz="2400" spc="-1" strike="noStrike">
+            <a:endParaRPr b="0" lang="en-US" sz="1800" spc="-1" strike="noStrike">
               <a:latin typeface="Arial"/>
             </a:endParaRPr>
           </a:p>
@@ -2853,12 +2859,12 @@
               <a:buChar char=""/>
             </a:pPr>
             <a:r>
-              <a:rPr b="0" lang="en-US" sz="2000" spc="-1" strike="noStrike">
+              <a:rPr b="0" lang="en-US" sz="1800" spc="-1" strike="noStrike">
                 <a:latin typeface="Arial"/>
               </a:rPr>
               <a:t>Fourth Outline Level</a:t>
             </a:r>
-            <a:endParaRPr b="0" lang="en-US" sz="2000" spc="-1" strike="noStrike">
+            <a:endParaRPr b="0" lang="en-US" sz="1800" spc="-1" strike="noStrike">
               <a:latin typeface="Arial"/>
             </a:endParaRPr>
           </a:p>
@@ -2875,12 +2881,12 @@
               <a:buChar char=""/>
             </a:pPr>
             <a:r>
-              <a:rPr b="0" lang="en-US" sz="2000" spc="-1" strike="noStrike">
+              <a:rPr b="0" lang="en-US" sz="1800" spc="-1" strike="noStrike">
                 <a:latin typeface="Arial"/>
               </a:rPr>
               <a:t>Fifth Outline Level</a:t>
             </a:r>
-            <a:endParaRPr b="0" lang="en-US" sz="2000" spc="-1" strike="noStrike">
+            <a:endParaRPr b="0" lang="en-US" sz="1800" spc="-1" strike="noStrike">
               <a:latin typeface="Arial"/>
             </a:endParaRPr>
           </a:p>
@@ -2897,12 +2903,12 @@
               <a:buChar char=""/>
             </a:pPr>
             <a:r>
-              <a:rPr b="0" lang="en-US" sz="2000" spc="-1" strike="noStrike">
+              <a:rPr b="0" lang="en-US" sz="1800" spc="-1" strike="noStrike">
                 <a:latin typeface="Arial"/>
               </a:rPr>
               <a:t>Sixth Outline Level</a:t>
             </a:r>
-            <a:endParaRPr b="0" lang="en-US" sz="2000" spc="-1" strike="noStrike">
+            <a:endParaRPr b="0" lang="en-US" sz="1800" spc="-1" strike="noStrike">
               <a:latin typeface="Arial"/>
             </a:endParaRPr>
           </a:p>
@@ -2919,12 +2925,12 @@
               <a:buChar char=""/>
             </a:pPr>
             <a:r>
-              <a:rPr b="0" lang="en-US" sz="2000" spc="-1" strike="noStrike">
+              <a:rPr b="0" lang="en-US" sz="1800" spc="-1" strike="noStrike">
                 <a:latin typeface="Arial"/>
               </a:rPr>
               <a:t>Seventh Outline Level</a:t>
             </a:r>
-            <a:endParaRPr b="0" lang="en-US" sz="2000" spc="-1" strike="noStrike">
+            <a:endParaRPr b="0" lang="en-US" sz="1800" spc="-1" strike="noStrike">
               <a:latin typeface="Arial"/>
             </a:endParaRPr>
           </a:p>
@@ -3234,7 +3240,7 @@
         <p:spPr>
           <a:xfrm>
             <a:off x="685800" y="2130480"/>
-            <a:ext cx="7771680" cy="1469160"/>
+            <a:ext cx="7771320" cy="1468800"/>
           </a:xfrm>
           <a:prstGeom prst="rect">
             <a:avLst/>
@@ -3264,6 +3270,7 @@
                   <a:srgbClr val="000000"/>
                 </a:solidFill>
                 <a:latin typeface="Calibri"/>
+                <a:ea typeface="DejaVu Sans"/>
               </a:rPr>
               <a:t>GRANARCHISM</a:t>
             </a:r>
@@ -3282,7 +3289,7 @@
         <p:spPr>
           <a:xfrm>
             <a:off x="1371600" y="3886200"/>
-            <a:ext cx="6400080" cy="1751760"/>
+            <a:ext cx="6399720" cy="1751400"/>
           </a:xfrm>
           <a:prstGeom prst="rect">
             <a:avLst/>
@@ -3315,6 +3322,7 @@
                   <a:srgbClr val="8b8b8b"/>
                 </a:solidFill>
                 <a:latin typeface="Calibri"/>
+                <a:ea typeface="DejaVu Sans"/>
               </a:rPr>
               <a:t>By Mitchell Verter</a:t>
             </a:r>
@@ -3375,14 +3383,14 @@
       </p:grpSpPr>
       <p:sp>
         <p:nvSpPr>
-          <p:cNvPr id="96" name="TextShape 1"/>
-          <p:cNvSpPr txBox="1"/>
+          <p:cNvPr id="94" name="CustomShape 1"/>
+          <p:cNvSpPr/>
           <p:nvPr/>
         </p:nvSpPr>
         <p:spPr>
           <a:xfrm>
-            <a:off x="731520" y="1280160"/>
-            <a:ext cx="7589520" cy="4953600"/>
+            <a:off x="457200" y="274680"/>
+            <a:ext cx="8228520" cy="364680"/>
           </a:xfrm>
           <a:prstGeom prst="rect">
             <a:avLst/>
@@ -3392,68 +3400,251 @@
             <a:noFill/>
           </a:ln>
         </p:spPr>
+        <p:style>
+          <a:lnRef idx="0"/>
+          <a:fillRef idx="0"/>
+          <a:effectRef idx="0"/>
+          <a:fontRef idx="minor"/>
+        </p:style>
+        <p:txBody>
+          <a:bodyPr lIns="0" rIns="0" tIns="0" bIns="0" anchor="ctr"/>
+          <a:p>
+            <a:pPr>
+              <a:lnSpc>
+                <a:spcPct val="100000"/>
+              </a:lnSpc>
+            </a:pPr>
+            <a:r>
+              <a:rPr b="0" lang="en-US" sz="1800" spc="-1" strike="noStrike">
+                <a:solidFill>
+                  <a:srgbClr val="000000"/>
+                </a:solidFill>
+                <a:latin typeface="Calibri"/>
+                <a:ea typeface="DejaVu Sans"/>
+              </a:rPr>
+              <a:t>Nuclear Family</a:t>
+            </a:r>
+            <a:endParaRPr b="0" lang="en-US" sz="1800" spc="-1" strike="noStrike">
+              <a:latin typeface="Arial"/>
+            </a:endParaRPr>
+          </a:p>
+        </p:txBody>
+      </p:sp>
+      <p:pic>
+        <p:nvPicPr>
+          <p:cNvPr id="95" name="" descr=""/>
+          <p:cNvPicPr/>
+          <p:nvPr/>
+        </p:nvPicPr>
+        <p:blipFill>
+          <a:blip r:embed="rId1"/>
+          <a:stretch/>
+        </p:blipFill>
+        <p:spPr>
+          <a:xfrm>
+            <a:off x="1280160" y="640080"/>
+            <a:ext cx="5028480" cy="3771360"/>
+          </a:xfrm>
+          <a:prstGeom prst="rect">
+            <a:avLst/>
+          </a:prstGeom>
+          <a:ln>
+            <a:noFill/>
+          </a:ln>
+        </p:spPr>
+      </p:pic>
+      <p:sp>
+        <p:nvSpPr>
+          <p:cNvPr id="96" name="CustomShape 2"/>
+          <p:cNvSpPr/>
+          <p:nvPr/>
+        </p:nvSpPr>
+        <p:spPr>
+          <a:xfrm>
+            <a:off x="548640" y="4389120"/>
+            <a:ext cx="8228880" cy="4022640"/>
+          </a:xfrm>
+          <a:prstGeom prst="rect">
+            <a:avLst/>
+          </a:prstGeom>
+          <a:noFill/>
+          <a:ln>
+            <a:noFill/>
+          </a:ln>
+        </p:spPr>
+        <p:style>
+          <a:lnRef idx="0"/>
+          <a:fillRef idx="0"/>
+          <a:effectRef idx="0"/>
+          <a:fontRef idx="minor"/>
+        </p:style>
         <p:txBody>
           <a:bodyPr lIns="90000" rIns="90000" tIns="45000" bIns="45000"/>
           <a:p>
+            <a:pPr>
+              <a:lnSpc>
+                <a:spcPct val="100000"/>
+              </a:lnSpc>
+            </a:pPr>
             <a:r>
               <a:rPr b="0" lang="en-US" sz="1800" spc="-1" strike="noStrike">
+                <a:solidFill>
+                  <a:srgbClr val="000000"/>
+                </a:solidFill>
                 <a:latin typeface="Arial"/>
-              </a:rPr>
-              <a:t>Selfhood, Levinas explains, is not a stable identity but a process of self-identification, of appropriating the diversity of otherness and integrating it back into a unitary selfhood. </a:t>
+                <a:ea typeface="DejaVu Sans"/>
+              </a:rPr>
+              <a:t>“</a:t>
+            </a:r>
+            <a:r>
+              <a:rPr b="0" lang="en-US" sz="1800" spc="-1" strike="noStrike">
+                <a:solidFill>
+                  <a:srgbClr val="000000"/>
+                </a:solidFill>
+                <a:latin typeface="Arial"/>
+                <a:ea typeface="DejaVu Sans"/>
+              </a:rPr>
+              <a:t>Abolish the nuclear family” Sophie Lewis</a:t>
             </a:r>
             <a:endParaRPr b="0" lang="en-US" sz="1800" spc="-1" strike="noStrike">
               <a:latin typeface="Arial"/>
             </a:endParaRPr>
           </a:p>
           <a:p>
+            <a:pPr>
+              <a:lnSpc>
+                <a:spcPct val="100000"/>
+              </a:lnSpc>
+            </a:pPr>
+            <a:r>
+              <a:rPr b="0" lang="en-US" sz="1800" spc="-1" strike="noStrike">
+                <a:solidFill>
+                  <a:srgbClr val="000000"/>
+                </a:solidFill>
+                <a:latin typeface="Arial"/>
+                <a:ea typeface="DejaVu Sans"/>
+              </a:rPr>
+              <a:t>Do whatever the fuck you want </a:t>
+            </a:r>
             <a:endParaRPr b="0" lang="en-US" sz="1800" spc="-1" strike="noStrike">
               <a:latin typeface="Arial"/>
             </a:endParaRPr>
           </a:p>
           <a:p>
+            <a:pPr>
+              <a:lnSpc>
+                <a:spcPct val="100000"/>
+              </a:lnSpc>
+            </a:pPr>
+            <a:endParaRPr b="0" lang="en-US" sz="1800" spc="-1" strike="noStrike">
+              <a:latin typeface="Arial"/>
+            </a:endParaRPr>
+          </a:p>
+          <a:p>
+            <a:pPr>
+              <a:lnSpc>
+                <a:spcPct val="100000"/>
+              </a:lnSpc>
+            </a:pPr>
             <a:r>
               <a:rPr b="0" lang="en-US" sz="1800" spc="-1" strike="noStrike">
+                <a:solidFill>
+                  <a:srgbClr val="000000"/>
+                </a:solidFill>
                 <a:latin typeface="Arial"/>
-              </a:rPr>
-              <a:t> </a:t>
-            </a:r>
+                <a:ea typeface="DejaVu Sans"/>
+              </a:rPr>
+              <a:t>Let the baby have his bottle.  That’s my motto. – Homer Simpson</a:t>
+            </a:r>
+            <a:endParaRPr b="0" lang="en-US" sz="1800" spc="-1" strike="noStrike">
+              <a:latin typeface="Arial"/>
+            </a:endParaRPr>
+          </a:p>
+          <a:p>
+            <a:pPr>
+              <a:lnSpc>
+                <a:spcPct val="100000"/>
+              </a:lnSpc>
+            </a:pPr>
             <a:r>
               <a:rPr b="0" lang="en-US" sz="1800" spc="-1" strike="noStrike">
+                <a:solidFill>
+                  <a:srgbClr val="000000"/>
+                </a:solidFill>
                 <a:latin typeface="Arial"/>
-              </a:rPr>
-              <a:t>The ego is neither a particular instance of a universal category nor something that partakes of elemental forces or codes, but rather something that lives a contented life, living from its contents, fulfilling itself by filling itself. </a:t>
+                <a:ea typeface="DejaVu Sans"/>
+              </a:rPr>
+              <a:t>Nuclear family. </a:t>
             </a:r>
             <a:endParaRPr b="0" lang="en-US" sz="1800" spc="-1" strike="noStrike">
               <a:latin typeface="Arial"/>
             </a:endParaRPr>
           </a:p>
           <a:p>
+            <a:pPr>
+              <a:lnSpc>
+                <a:spcPct val="100000"/>
+              </a:lnSpc>
+            </a:pPr>
+            <a:r>
+              <a:rPr b="0" lang="en-US" sz="1800" spc="-1" strike="noStrike">
+                <a:solidFill>
+                  <a:srgbClr val="000000"/>
+                </a:solidFill>
+                <a:latin typeface="Arial"/>
+                <a:ea typeface="DejaVu Sans"/>
+              </a:rPr>
+              <a:t> “</a:t>
+            </a:r>
+            <a:r>
+              <a:rPr b="0" lang="en-US" sz="1800" spc="-1" strike="noStrike">
+                <a:solidFill>
+                  <a:srgbClr val="000000"/>
+                </a:solidFill>
+                <a:latin typeface="Arial"/>
+                <a:ea typeface="DejaVu Sans"/>
+              </a:rPr>
+              <a:t>Religion is the opium of the people. It is the sigh of the oppressed creature, the heart of a heartless world, and the soul of our soulless conditions.”</a:t>
+            </a:r>
             <a:endParaRPr b="0" lang="en-US" sz="1800" spc="-1" strike="noStrike">
               <a:latin typeface="Arial"/>
             </a:endParaRPr>
           </a:p>
           <a:p>
+            <a:pPr>
+              <a:lnSpc>
+                <a:spcPct val="100000"/>
+              </a:lnSpc>
+            </a:pPr>
             <a:r>
               <a:rPr b="0" lang="en-US" sz="1800" spc="-1" strike="noStrike">
+                <a:solidFill>
+                  <a:srgbClr val="000000"/>
+                </a:solidFill>
                 <a:latin typeface="Arial"/>
-              </a:rPr>
-              <a:t>. In contrast, Levinas explains that the self initially relates to the other through a process of incorporation and not externalization, through consumption and not production.   process of incorporation and not externalization, through consumption and not production. By emphasizing consumption, Levinas seems to be drawing attention the way in which one begins one’s existence -- not as an agent asserting its sovereign will and projecting its spirit onto things but rather as someone vulnerable who needs to be sustained by the world in order to survive.</a:t>
+                <a:ea typeface="DejaVu Sans"/>
+              </a:rPr>
+              <a:t>Let the poor slobs have religion.  Religion as a tying together</a:t>
             </a:r>
             <a:endParaRPr b="0" lang="en-US" sz="1800" spc="-1" strike="noStrike">
               <a:latin typeface="Arial"/>
             </a:endParaRPr>
           </a:p>
           <a:p>
-            <a:endParaRPr b="0" lang="en-US" sz="1800" spc="-1" strike="noStrike">
-              <a:latin typeface="Arial"/>
-            </a:endParaRPr>
-          </a:p>
-          <a:p>
+            <a:pPr>
+              <a:lnSpc>
+                <a:spcPct val="100000"/>
+              </a:lnSpc>
+            </a:pPr>
             <a:r>
               <a:rPr b="0" lang="en-US" sz="1800" spc="-1" strike="noStrike">
+                <a:solidFill>
+                  <a:srgbClr val="000000"/>
+                </a:solidFill>
                 <a:latin typeface="Arial"/>
-              </a:rPr>
-              <a:t>Hand to mouth</a:t>
+                <a:ea typeface="DejaVu Sans"/>
+              </a:rPr>
+              <a:t>The heart of a heartless world, and the soul of soulless conditions</a:t>
             </a:r>
             <a:endParaRPr b="0" lang="en-US" sz="1800" spc="-1" strike="noStrike">
               <a:latin typeface="Arial"/>
@@ -3519,7 +3710,7 @@
         <p:spPr>
           <a:xfrm>
             <a:off x="457200" y="274680"/>
-            <a:ext cx="8228880" cy="1142280"/>
+            <a:ext cx="8228520" cy="1141920"/>
           </a:xfrm>
           <a:prstGeom prst="rect">
             <a:avLst/>
@@ -3535,28 +3726,6 @@
           <a:effectRef idx="0"/>
           <a:fontRef idx="minor"/>
         </p:style>
-        <p:txBody>
-          <a:bodyPr lIns="90000" rIns="90000" tIns="45000" bIns="45000" anchor="ctr"/>
-          <a:p>
-            <a:pPr algn="ctr">
-              <a:lnSpc>
-                <a:spcPct val="100000"/>
-              </a:lnSpc>
-            </a:pPr>
-            <a:r>
-              <a:rPr b="0" lang="en-US" sz="4400" spc="-1" strike="noStrike">
-                <a:solidFill>
-                  <a:srgbClr val="000000"/>
-                </a:solidFill>
-                <a:latin typeface="Calibri"/>
-              </a:rPr>
-              <a:t>Becoming as Regeneration</a:t>
-            </a:r>
-            <a:endParaRPr b="0" lang="en-US" sz="4400" spc="-1" strike="noStrike">
-              <a:latin typeface="Arial"/>
-            </a:endParaRPr>
-          </a:p>
-        </p:txBody>
       </p:sp>
       <p:sp>
         <p:nvSpPr>
@@ -3566,8 +3735,8 @@
         </p:nvSpPr>
         <p:spPr>
           <a:xfrm>
-            <a:off x="457200" y="1600200"/>
-            <a:ext cx="8228880" cy="4525200"/>
+            <a:off x="640080" y="1737360"/>
+            <a:ext cx="7405920" cy="7000560"/>
           </a:xfrm>
           <a:prstGeom prst="rect">
             <a:avLst/>
@@ -3586,69 +3755,32 @@
         <p:txBody>
           <a:bodyPr lIns="90000" rIns="90000" tIns="45000" bIns="45000"/>
           <a:p>
-            <a:pPr marL="343080" indent="-342360">
-              <a:lnSpc>
-                <a:spcPct val="100000"/>
-              </a:lnSpc>
-              <a:spcBef>
-                <a:spcPts val="641"/>
-              </a:spcBef>
-              <a:buClr>
-                <a:srgbClr val="000000"/>
-              </a:buClr>
-              <a:buFont typeface="Arial"/>
-              <a:buChar char="•"/>
-            </a:pPr>
-            <a:r>
-              <a:rPr b="0" lang="en-US" sz="3200" spc="-1" strike="noStrike">
-                <a:solidFill>
-                  <a:srgbClr val="000000"/>
-                </a:solidFill>
-                <a:latin typeface="Calibri"/>
-              </a:rPr>
-              <a:t>Not anonymous,</a:t>
-            </a:r>
-            <a:endParaRPr b="0" lang="en-US" sz="3200" spc="-1" strike="noStrike">
-              <a:latin typeface="Arial"/>
-            </a:endParaRPr>
-          </a:p>
-          <a:p>
-            <a:pPr marL="343080" indent="-342360">
-              <a:lnSpc>
-                <a:spcPct val="100000"/>
-              </a:lnSpc>
-              <a:spcBef>
-                <a:spcPts val="641"/>
-              </a:spcBef>
-              <a:buClr>
-                <a:srgbClr val="000000"/>
-              </a:buClr>
-              <a:buFont typeface="Arial"/>
-              <a:buChar char="•"/>
-            </a:pPr>
-            <a:r>
-              <a:rPr b="0" lang="en-US" sz="3200" spc="-1" strike="noStrike">
-                <a:solidFill>
-                  <a:srgbClr val="000000"/>
-                </a:solidFill>
-                <a:latin typeface="Calibri"/>
-              </a:rPr>
-              <a:t>Material becoming occurs through the intercession of others</a:t>
-            </a:r>
-            <a:endParaRPr b="0" lang="en-US" sz="3200" spc="-1" strike="noStrike">
-              <a:latin typeface="Arial"/>
-            </a:endParaRPr>
-          </a:p>
-          <a:p>
             <a:pPr>
               <a:lnSpc>
                 <a:spcPct val="100000"/>
               </a:lnSpc>
-              <a:spcBef>
-                <a:spcPts val="641"/>
-              </a:spcBef>
-            </a:pPr>
-            <a:endParaRPr b="0" lang="en-US" sz="3200" spc="-1" strike="noStrike">
+            </a:pPr>
+            <a:r>
+              <a:rPr b="0" lang="en-US" sz="1800" spc="-1" strike="noStrike">
+                <a:solidFill>
+                  <a:srgbClr val="000000"/>
+                </a:solidFill>
+                <a:latin typeface="Arial"/>
+                <a:ea typeface="DejaVu Sans"/>
+              </a:rPr>
+              <a:t>This talk will investigate Kropotkin's description of mutual aid as being critical for the evolution of a species.  The idea of "evolution" will be considered as a theory of Becoming, the way that identity and non-identity are persisted and not-persisted over time.  We will contrast our theory those that derive from Heraclitus (materialism, empiricism, Hume, Hobbes, Spinoza, Nietzsche, Heidegger, Deleuze, Simondon, Read, Bottici ...)), which posit Becoming as emerging from the dynamic clashes within a field of anonymous forces. My analysis, taken from Emmanuel Levinas, articulates Becoming a mode of relating to other persons through two moments: (1) the *metabolics* of consumption describe the process by which the material being of the other becomes the self, which Levinas explores under the motifs of eating and breathing; (2) the *genetics* of regeneration describe the way in which the material being of my self becomes the other, which Levinas describes under the motif of maternity.  I will explore "maternity" through what Sarah Ruddick calls *maternal practice* that preserves the life of the child, nourishes their growth and prepares them for acceptance in wider society.  Feminist anthropologist Sarah Blaffer Hrdy clarifies that what is important is not merely the person of the mother, but the community of *allomothering*-- particularly the *grandmother*, the person who takes care both of the child and the mother of the child, as the most fundamental resason for the evolution of human understanding and prosocial behavior.  The talk will end by reflecting on thinking across generations, as many native peoples do, about how we can enrich our regenerational thinking and practice as anarchists.</a:t>
+            </a:r>
+            <a:endParaRPr b="0" lang="en-US" sz="1800" spc="-1" strike="noStrike">
+              <a:latin typeface="Arial"/>
+            </a:endParaRPr>
+          </a:p>
+          <a:p>
+            <a:pPr>
+              <a:lnSpc>
+                <a:spcPct val="100000"/>
+              </a:lnSpc>
+            </a:pPr>
+            <a:endParaRPr b="0" lang="en-US" sz="1800" spc="-1" strike="noStrike">
               <a:latin typeface="Arial"/>
             </a:endParaRPr>
           </a:p>
@@ -3712,7 +3844,7 @@
         <p:spPr>
           <a:xfrm>
             <a:off x="457200" y="274680"/>
-            <a:ext cx="8228880" cy="1142280"/>
+            <a:ext cx="8228520" cy="1141920"/>
           </a:xfrm>
           <a:prstGeom prst="rect">
             <a:avLst/>
@@ -3742,8 +3874,9 @@
                   <a:srgbClr val="000000"/>
                 </a:solidFill>
                 <a:latin typeface="Calibri"/>
-              </a:rPr>
-              <a:t>Theory of Becoming</a:t>
+                <a:ea typeface="DejaVu Sans"/>
+              </a:rPr>
+              <a:t>What is Evolution</a:t>
             </a:r>
             <a:endParaRPr b="0" lang="en-US" sz="4400" spc="-1" strike="noStrike">
               <a:latin typeface="Arial"/>
@@ -3760,7 +3893,7 @@
         <p:spPr>
           <a:xfrm>
             <a:off x="457200" y="1600200"/>
-            <a:ext cx="8228880" cy="4525200"/>
+            <a:ext cx="8228520" cy="4524840"/>
           </a:xfrm>
           <a:prstGeom prst="rect">
             <a:avLst/>
@@ -3776,6 +3909,176 @@
           <a:effectRef idx="0"/>
           <a:fontRef idx="minor"/>
         </p:style>
+        <p:txBody>
+          <a:bodyPr lIns="90000" rIns="90000" tIns="45000" bIns="45000">
+            <a:normAutofit/>
+          </a:bodyPr>
+          <a:p>
+            <a:pPr marL="343080" indent="-342000">
+              <a:lnSpc>
+                <a:spcPct val="100000"/>
+              </a:lnSpc>
+              <a:spcBef>
+                <a:spcPts val="641"/>
+              </a:spcBef>
+              <a:buClr>
+                <a:srgbClr val="000000"/>
+              </a:buClr>
+              <a:buFont typeface="Arial"/>
+              <a:buChar char="•"/>
+            </a:pPr>
+            <a:r>
+              <a:rPr b="0" lang="en-US" sz="3200" spc="-1" strike="noStrike">
+                <a:solidFill>
+                  <a:srgbClr val="000000"/>
+                </a:solidFill>
+                <a:latin typeface="Calibri"/>
+                <a:ea typeface="DejaVu Sans"/>
+              </a:rPr>
+              <a:t>Becoming through time</a:t>
+            </a:r>
+            <a:endParaRPr b="0" lang="en-US" sz="3200" spc="-1" strike="noStrike">
+              <a:latin typeface="Arial"/>
+            </a:endParaRPr>
+          </a:p>
+          <a:p>
+            <a:pPr marL="343080" indent="-342000">
+              <a:lnSpc>
+                <a:spcPct val="100000"/>
+              </a:lnSpc>
+              <a:spcBef>
+                <a:spcPts val="641"/>
+              </a:spcBef>
+              <a:buClr>
+                <a:srgbClr val="000000"/>
+              </a:buClr>
+              <a:buFont typeface="Arial"/>
+              <a:buChar char="•"/>
+            </a:pPr>
+            <a:r>
+              <a:rPr b="0" lang="en-US" sz="3200" spc="-1" strike="noStrike">
+                <a:solidFill>
+                  <a:srgbClr val="000000"/>
+                </a:solidFill>
+                <a:latin typeface="Calibri"/>
+                <a:ea typeface="DejaVu Sans"/>
+              </a:rPr>
+              <a:t>Becoming of the species through time.</a:t>
+            </a:r>
+            <a:endParaRPr b="0" lang="en-US" sz="3200" spc="-1" strike="noStrike">
+              <a:latin typeface="Arial"/>
+            </a:endParaRPr>
+          </a:p>
+          <a:p>
+            <a:pPr marL="343080" indent="-342000">
+              <a:lnSpc>
+                <a:spcPct val="100000"/>
+              </a:lnSpc>
+              <a:spcBef>
+                <a:spcPts val="641"/>
+              </a:spcBef>
+              <a:buClr>
+                <a:srgbClr val="000000"/>
+              </a:buClr>
+              <a:buFont typeface="Arial"/>
+              <a:buChar char="•"/>
+            </a:pPr>
+            <a:r>
+              <a:rPr b="0" lang="en-US" sz="3200" spc="-1" strike="noStrike">
+                <a:solidFill>
+                  <a:srgbClr val="000000"/>
+                </a:solidFill>
+                <a:latin typeface="Calibri"/>
+                <a:ea typeface="DejaVu Sans"/>
+              </a:rPr>
+              <a:t>Persistence, how things stand</a:t>
+            </a:r>
+            <a:endParaRPr b="0" lang="en-US" sz="3200" spc="-1" strike="noStrike">
+              <a:latin typeface="Arial"/>
+            </a:endParaRPr>
+          </a:p>
+          <a:p>
+            <a:pPr marL="343080" indent="-342000">
+              <a:lnSpc>
+                <a:spcPct val="100000"/>
+              </a:lnSpc>
+              <a:spcBef>
+                <a:spcPts val="641"/>
+              </a:spcBef>
+              <a:buClr>
+                <a:srgbClr val="000000"/>
+              </a:buClr>
+              <a:buFont typeface="Arial"/>
+              <a:buChar char="•"/>
+            </a:pPr>
+            <a:r>
+              <a:rPr b="0" lang="en-US" sz="3200" spc="-1" strike="noStrike">
+                <a:solidFill>
+                  <a:srgbClr val="000000"/>
+                </a:solidFill>
+                <a:latin typeface="Calibri"/>
+                <a:ea typeface="DejaVu Sans"/>
+              </a:rPr>
+              <a:t>Locke self-identity, etc  identity through flux</a:t>
+            </a:r>
+            <a:endParaRPr b="0" lang="en-US" sz="3200" spc="-1" strike="noStrike">
+              <a:latin typeface="Arial"/>
+            </a:endParaRPr>
+          </a:p>
+          <a:p>
+            <a:pPr>
+              <a:lnSpc>
+                <a:spcPct val="100000"/>
+              </a:lnSpc>
+              <a:spcBef>
+                <a:spcPts val="641"/>
+              </a:spcBef>
+            </a:pPr>
+            <a:br/>
+            <a:endParaRPr b="0" lang="en-US" sz="3200" spc="-1" strike="noStrike">
+              <a:latin typeface="Arial"/>
+            </a:endParaRPr>
+          </a:p>
+          <a:p>
+            <a:pPr>
+              <a:lnSpc>
+                <a:spcPct val="100000"/>
+              </a:lnSpc>
+              <a:spcBef>
+                <a:spcPts val="641"/>
+              </a:spcBef>
+            </a:pPr>
+            <a:endParaRPr b="0" lang="en-US" sz="3200" spc="-1" strike="noStrike">
+              <a:latin typeface="Arial"/>
+            </a:endParaRPr>
+          </a:p>
+          <a:p>
+            <a:pPr>
+              <a:lnSpc>
+                <a:spcPct val="100000"/>
+              </a:lnSpc>
+              <a:spcBef>
+                <a:spcPts val="641"/>
+              </a:spcBef>
+            </a:pPr>
+            <a:endParaRPr b="0" lang="en-US" sz="3200" spc="-1" strike="noStrike">
+              <a:latin typeface="Arial"/>
+            </a:endParaRPr>
+          </a:p>
+          <a:p>
+            <a:pPr>
+              <a:lnSpc>
+                <a:spcPct val="100000"/>
+              </a:lnSpc>
+              <a:spcBef>
+                <a:spcPts val="641"/>
+              </a:spcBef>
+            </a:pPr>
+            <a:endParaRPr b="0" lang="en-US" sz="3200" spc="-1" strike="noStrike">
+              <a:latin typeface="Arial"/>
+            </a:endParaRPr>
+          </a:p>
+        </p:txBody>
       </p:sp>
     </p:spTree>
   </p:cSld>
@@ -3835,7 +4138,7 @@
         <p:spPr>
           <a:xfrm>
             <a:off x="457200" y="274680"/>
-            <a:ext cx="8228880" cy="1142280"/>
+            <a:ext cx="8228520" cy="1141920"/>
           </a:xfrm>
           <a:prstGeom prst="rect">
             <a:avLst/>
@@ -3865,8 +4168,9 @@
                   <a:srgbClr val="000000"/>
                 </a:solidFill>
                 <a:latin typeface="Calibri"/>
-              </a:rPr>
-              <a:t>Metabolism</a:t>
+                <a:ea typeface="DejaVu Sans"/>
+              </a:rPr>
+              <a:t>Marx Species Being</a:t>
             </a:r>
             <a:endParaRPr b="0" lang="en-US" sz="4400" spc="-1" strike="noStrike">
               <a:latin typeface="Arial"/>
@@ -3883,7 +4187,7 @@
         <p:spPr>
           <a:xfrm>
             <a:off x="457200" y="1600200"/>
-            <a:ext cx="8228880" cy="4525200"/>
+            <a:ext cx="8228520" cy="4524840"/>
           </a:xfrm>
           <a:prstGeom prst="rect">
             <a:avLst/>
@@ -3899,9 +4203,193 @@
           <a:effectRef idx="0"/>
           <a:fontRef idx="minor"/>
         </p:style>
+        <p:txBody>
+          <a:bodyPr lIns="90000" rIns="90000" tIns="45000" bIns="45000">
+            <a:normAutofit/>
+          </a:bodyPr>
+          <a:p>
+            <a:pPr marL="343080" indent="-342000">
+              <a:lnSpc>
+                <a:spcPct val="100000"/>
+              </a:lnSpc>
+              <a:spcBef>
+                <a:spcPts val="641"/>
+              </a:spcBef>
+              <a:buClr>
+                <a:srgbClr val="000000"/>
+              </a:buClr>
+              <a:buFont typeface="Arial"/>
+              <a:buChar char="•"/>
+            </a:pPr>
+            <a:r>
+              <a:rPr b="0" lang="en-US" sz="3200" spc="-1" strike="noStrike">
+                <a:solidFill>
+                  <a:srgbClr val="000000"/>
+                </a:solidFill>
+                <a:latin typeface="Calibri"/>
+                <a:ea typeface="DejaVu Sans"/>
+              </a:rPr>
+              <a:t>The life of the species, both in man and in animals, consists physically in the fact that man (like the animal) lives on organic nature; and the more universal man (or the animal) is, the more universal is the sphere of inorganic nature on which he lives.</a:t>
+            </a:r>
+            <a:endParaRPr b="0" lang="en-US" sz="3200" spc="-1" strike="noStrike">
+              <a:latin typeface="Arial"/>
+            </a:endParaRPr>
+          </a:p>
+          <a:p>
+            <a:pPr marL="343080" indent="-342000">
+              <a:lnSpc>
+                <a:spcPct val="100000"/>
+              </a:lnSpc>
+              <a:spcBef>
+                <a:spcPts val="641"/>
+              </a:spcBef>
+              <a:buClr>
+                <a:srgbClr val="000000"/>
+              </a:buClr>
+              <a:buFont typeface="Arial"/>
+              <a:buChar char="•"/>
+            </a:pPr>
+            <a:r>
+              <a:rPr b="0" lang="en-US" sz="3200" spc="-1" strike="noStrike">
+                <a:solidFill>
+                  <a:srgbClr val="000000"/>
+                </a:solidFill>
+                <a:latin typeface="Calibri"/>
+                <a:ea typeface="DejaVu Sans"/>
+              </a:rPr>
+              <a:t>For labor, life activity, productive life itself, appears to man in the first place merely as a means of satisfying a need – the need to maintain physical existence. Yet the productive life is the life of the species. It is life-engendering life. The whole character of a species, its species-character, is contained in the character of its life activity; and free, conscious activity is man’s species-character. Life itself appears only as a means to life.</a:t>
+            </a:r>
+            <a:endParaRPr b="0" lang="en-US" sz="3200" spc="-1" strike="noStrike">
+              <a:latin typeface="Arial"/>
+            </a:endParaRPr>
+          </a:p>
+          <a:p>
+            <a:pPr marL="343080" indent="-342000">
+              <a:lnSpc>
+                <a:spcPct val="100000"/>
+              </a:lnSpc>
+              <a:spcBef>
+                <a:spcPts val="641"/>
+              </a:spcBef>
+              <a:buClr>
+                <a:srgbClr val="000000"/>
+              </a:buClr>
+              <a:buFont typeface="Arial"/>
+              <a:buChar char="•"/>
+            </a:pPr>
+            <a:r>
+              <a:rPr b="0" lang="en-US" sz="3200" spc="-1" strike="noStrike">
+                <a:solidFill>
+                  <a:srgbClr val="000000"/>
+                </a:solidFill>
+                <a:latin typeface="Calibri"/>
+                <a:ea typeface="DejaVu Sans"/>
+              </a:rPr>
+              <a:t>(4) An immediate consequence of the fact that man is estranged from the product of his labor, from his life activity, from his species-being, is the estrangement of man from man. When man confronts himself, he confronts the other man. What applies to a man’s relation to his work, to the product of his labor and to himself, also holds of a man’s relation to the other man, and to the other man’s labor and object of labor.</a:t>
+            </a:r>
+            <a:endParaRPr b="0" lang="en-US" sz="3200" spc="-1" strike="noStrike">
+              <a:latin typeface="Arial"/>
+            </a:endParaRPr>
+          </a:p>
+          <a:p>
+            <a:pPr marL="343080" indent="-342000">
+              <a:lnSpc>
+                <a:spcPct val="100000"/>
+              </a:lnSpc>
+              <a:spcBef>
+                <a:spcPts val="641"/>
+              </a:spcBef>
+              <a:buClr>
+                <a:srgbClr val="000000"/>
+              </a:buClr>
+              <a:buFont typeface="Arial"/>
+              <a:buChar char="•"/>
+            </a:pPr>
+            <a:r>
+              <a:rPr b="0" lang="en-US" sz="3200" spc="-1" strike="noStrike">
+                <a:solidFill>
+                  <a:srgbClr val="000000"/>
+                </a:solidFill>
+                <a:latin typeface="Calibri"/>
+                <a:ea typeface="DejaVu Sans"/>
+              </a:rPr>
+              <a:t>WHEN MAN CONFRONTS HIMSELF HE CONFRONTS THE OTHER MAN</a:t>
+            </a:r>
+            <a:endParaRPr b="0" lang="en-US" sz="3200" spc="-1" strike="noStrike">
+              <a:latin typeface="Arial"/>
+            </a:endParaRPr>
+          </a:p>
+          <a:p>
+            <a:pPr>
+              <a:lnSpc>
+                <a:spcPct val="100000"/>
+              </a:lnSpc>
+              <a:spcBef>
+                <a:spcPts val="641"/>
+              </a:spcBef>
+            </a:pPr>
+            <a:br/>
+            <a:endParaRPr b="0" lang="en-US" sz="3200" spc="-1" strike="noStrike">
+              <a:latin typeface="Arial"/>
+            </a:endParaRPr>
+          </a:p>
+          <a:p>
+            <a:pPr>
+              <a:lnSpc>
+                <a:spcPct val="100000"/>
+              </a:lnSpc>
+              <a:spcBef>
+                <a:spcPts val="641"/>
+              </a:spcBef>
+            </a:pPr>
+            <a:endParaRPr b="0" lang="en-US" sz="3200" spc="-1" strike="noStrike">
+              <a:latin typeface="Arial"/>
+            </a:endParaRPr>
+          </a:p>
+          <a:p>
+            <a:pPr>
+              <a:lnSpc>
+                <a:spcPct val="100000"/>
+              </a:lnSpc>
+              <a:spcBef>
+                <a:spcPts val="641"/>
+              </a:spcBef>
+            </a:pPr>
+            <a:endParaRPr b="0" lang="en-US" sz="3200" spc="-1" strike="noStrike">
+              <a:latin typeface="Arial"/>
+            </a:endParaRPr>
+          </a:p>
+        </p:txBody>
       </p:sp>
     </p:spTree>
   </p:cSld>
+  <p:timing>
+    <p:tnLst>
+      <p:par>
+        <p:cTn id="25" dur="indefinite" restart="never" nodeType="tmRoot">
+          <p:childTnLst>
+            <p:seq>
+              <p:cTn id="26" dur="indefinite" nodeType="mainSeq"/>
+              <p:prevCondLst>
+                <p:cond delay="0" evt="onPrev">
+                  <p:tgtEl>
+                    <p:sldTgt/>
+                  </p:tgtEl>
+                </p:cond>
+              </p:prevCondLst>
+              <p:nextCondLst>
+                <p:cond delay="0" evt="onNext">
+                  <p:tgtEl>
+                    <p:sldTgt/>
+                  </p:tgtEl>
+                </p:cond>
+              </p:nextCondLst>
+            </p:seq>
+          </p:childTnLst>
+        </p:cTn>
+      </p:par>
+    </p:tnLst>
+  </p:timing>
 </p:sld>
 </file>
 
@@ -3931,7 +4419,7 @@
         <p:spPr>
           <a:xfrm>
             <a:off x="457200" y="274680"/>
-            <a:ext cx="8228880" cy="1142280"/>
+            <a:ext cx="8228520" cy="1141920"/>
           </a:xfrm>
           <a:prstGeom prst="rect">
             <a:avLst/>
@@ -3961,8 +4449,9 @@
                   <a:srgbClr val="000000"/>
                 </a:solidFill>
                 <a:latin typeface="Calibri"/>
-              </a:rPr>
-              <a:t>Birth</a:t>
+                <a:ea typeface="DejaVu Sans"/>
+              </a:rPr>
+              <a:t>Heraclitean Becoming</a:t>
             </a:r>
             <a:endParaRPr b="0" lang="en-US" sz="4400" spc="-1" strike="noStrike">
               <a:latin typeface="Arial"/>
@@ -3979,7 +4468,7 @@
         <p:spPr>
           <a:xfrm>
             <a:off x="457200" y="1600200"/>
-            <a:ext cx="8228880" cy="4525200"/>
+            <a:ext cx="8228520" cy="4524840"/>
           </a:xfrm>
           <a:prstGeom prst="rect">
             <a:avLst/>
@@ -3995,9 +4484,482 @@
           <a:effectRef idx="0"/>
           <a:fontRef idx="minor"/>
         </p:style>
+        <p:txBody>
+          <a:bodyPr lIns="90000" rIns="90000" tIns="45000" bIns="45000">
+            <a:normAutofit/>
+          </a:bodyPr>
+          <a:p>
+            <a:pPr marL="343080" indent="-342000">
+              <a:lnSpc>
+                <a:spcPct val="100000"/>
+              </a:lnSpc>
+              <a:spcBef>
+                <a:spcPts val="641"/>
+              </a:spcBef>
+              <a:buClr>
+                <a:srgbClr val="000000"/>
+              </a:buClr>
+              <a:buFont typeface="Arial"/>
+              <a:buChar char="•"/>
+            </a:pPr>
+            <a:r>
+              <a:rPr b="0" lang="en-US" sz="3200" spc="-1" strike="noStrike">
+                <a:solidFill>
+                  <a:srgbClr val="000000"/>
+                </a:solidFill>
+                <a:latin typeface="Calibri"/>
+                <a:ea typeface="DejaVu Sans"/>
+              </a:rPr>
+              <a:t>Force</a:t>
+            </a:r>
+            <a:endParaRPr b="0" lang="en-US" sz="3200" spc="-1" strike="noStrike">
+              <a:latin typeface="Arial"/>
+            </a:endParaRPr>
+          </a:p>
+          <a:p>
+            <a:pPr marL="343080" indent="-342000">
+              <a:lnSpc>
+                <a:spcPct val="100000"/>
+              </a:lnSpc>
+              <a:spcBef>
+                <a:spcPts val="641"/>
+              </a:spcBef>
+              <a:buClr>
+                <a:srgbClr val="000000"/>
+              </a:buClr>
+              <a:buFont typeface="Arial"/>
+              <a:buChar char="•"/>
+            </a:pPr>
+            <a:r>
+              <a:rPr b="0" lang="en-US" sz="3200" spc="-1" strike="noStrike">
+                <a:solidFill>
+                  <a:srgbClr val="000000"/>
+                </a:solidFill>
+                <a:latin typeface="Calibri"/>
+                <a:ea typeface="DejaVu Sans"/>
+              </a:rPr>
+              <a:t>Flux of forces</a:t>
+            </a:r>
+            <a:endParaRPr b="0" lang="en-US" sz="3200" spc="-1" strike="noStrike">
+              <a:latin typeface="Arial"/>
+            </a:endParaRPr>
+          </a:p>
+          <a:p>
+            <a:pPr marL="343080" indent="-342000">
+              <a:lnSpc>
+                <a:spcPct val="100000"/>
+              </a:lnSpc>
+              <a:spcBef>
+                <a:spcPts val="641"/>
+              </a:spcBef>
+              <a:buClr>
+                <a:srgbClr val="000000"/>
+              </a:buClr>
+              <a:buFont typeface="Arial"/>
+              <a:buChar char="•"/>
+            </a:pPr>
+            <a:r>
+              <a:rPr b="0" lang="en-US" sz="3200" spc="-1" strike="noStrike">
+                <a:solidFill>
+                  <a:srgbClr val="000000"/>
+                </a:solidFill>
+                <a:latin typeface="Calibri"/>
+                <a:ea typeface="DejaVu Sans"/>
+              </a:rPr>
+              <a:t>Powers</a:t>
+            </a:r>
+            <a:endParaRPr b="0" lang="en-US" sz="3200" spc="-1" strike="noStrike">
+              <a:latin typeface="Arial"/>
+            </a:endParaRPr>
+          </a:p>
+          <a:p>
+            <a:pPr marL="343080" indent="-342000">
+              <a:lnSpc>
+                <a:spcPct val="100000"/>
+              </a:lnSpc>
+              <a:spcBef>
+                <a:spcPts val="641"/>
+              </a:spcBef>
+              <a:buClr>
+                <a:srgbClr val="000000"/>
+              </a:buClr>
+              <a:buFont typeface="Arial"/>
+              <a:buChar char="•"/>
+            </a:pPr>
+            <a:r>
+              <a:rPr b="0" lang="en-US" sz="3200" spc="-1" strike="noStrike">
+                <a:solidFill>
+                  <a:srgbClr val="000000"/>
+                </a:solidFill>
+                <a:latin typeface="Calibri"/>
+                <a:ea typeface="DejaVu Sans"/>
+              </a:rPr>
+              <a:t>Anonymous</a:t>
+            </a:r>
+            <a:endParaRPr b="0" lang="en-US" sz="3200" spc="-1" strike="noStrike">
+              <a:latin typeface="Arial"/>
+            </a:endParaRPr>
+          </a:p>
+          <a:p>
+            <a:pPr>
+              <a:lnSpc>
+                <a:spcPct val="100000"/>
+              </a:lnSpc>
+              <a:spcBef>
+                <a:spcPts val="641"/>
+              </a:spcBef>
+            </a:pPr>
+            <a:endParaRPr b="0" lang="en-US" sz="3200" spc="-1" strike="noStrike">
+              <a:latin typeface="Arial"/>
+            </a:endParaRPr>
+          </a:p>
+          <a:p>
+            <a:pPr marL="343080" indent="-342000">
+              <a:lnSpc>
+                <a:spcPct val="100000"/>
+              </a:lnSpc>
+              <a:spcBef>
+                <a:spcPts val="641"/>
+              </a:spcBef>
+              <a:buClr>
+                <a:srgbClr val="000000"/>
+              </a:buClr>
+              <a:buFont typeface="Arial"/>
+              <a:buChar char="•"/>
+            </a:pPr>
+            <a:r>
+              <a:rPr b="0" lang="en-US" sz="3200" spc="-1" strike="noStrike">
+                <a:solidFill>
+                  <a:srgbClr val="000000"/>
+                </a:solidFill>
+                <a:latin typeface="Calibri"/>
+                <a:ea typeface="DejaVu Sans"/>
+              </a:rPr>
+              <a:t>He identifies nutrition and</a:t>
+            </a:r>
+            <a:endParaRPr b="0" lang="en-US" sz="3200" spc="-1" strike="noStrike">
+              <a:latin typeface="Arial"/>
+            </a:endParaRPr>
+          </a:p>
+          <a:p>
+            <a:pPr marL="343080" indent="-342000">
+              <a:lnSpc>
+                <a:spcPct val="100000"/>
+              </a:lnSpc>
+              <a:spcBef>
+                <a:spcPts val="641"/>
+              </a:spcBef>
+              <a:buClr>
+                <a:srgbClr val="000000"/>
+              </a:buClr>
+              <a:buFont typeface="Arial"/>
+              <a:buChar char="•"/>
+            </a:pPr>
+            <a:r>
+              <a:rPr b="0" lang="en-US" sz="3200" spc="-1" strike="noStrike">
+                <a:solidFill>
+                  <a:srgbClr val="000000"/>
+                </a:solidFill>
+                <a:latin typeface="Calibri"/>
+                <a:ea typeface="DejaVu Sans"/>
+              </a:rPr>
+              <a:t>reproduction as more basic than the others. For Aristotle, nutrition is not nutrients</a:t>
+            </a:r>
+            <a:endParaRPr b="0" lang="en-US" sz="3200" spc="-1" strike="noStrike">
+              <a:latin typeface="Arial"/>
+            </a:endParaRPr>
+          </a:p>
+          <a:p>
+            <a:pPr marL="343080" indent="-342000">
+              <a:lnSpc>
+                <a:spcPct val="100000"/>
+              </a:lnSpc>
+              <a:spcBef>
+                <a:spcPts val="641"/>
+              </a:spcBef>
+              <a:buClr>
+                <a:srgbClr val="000000"/>
+              </a:buClr>
+              <a:buFont typeface="Arial"/>
+              <a:buChar char="•"/>
+            </a:pPr>
+            <a:r>
+              <a:rPr b="0" lang="en-US" sz="3200" spc="-1" strike="noStrike">
+                <a:solidFill>
+                  <a:srgbClr val="000000"/>
+                </a:solidFill>
+                <a:latin typeface="Calibri"/>
+                <a:ea typeface="DejaVu Sans"/>
+              </a:rPr>
+              <a:t>(food) but rather the internal capacity or “power”[dynamis, in ancient Greek] of</a:t>
+            </a:r>
+            <a:endParaRPr b="0" lang="en-US" sz="3200" spc="-1" strike="noStrike">
+              <a:latin typeface="Arial"/>
+            </a:endParaRPr>
+          </a:p>
+          <a:p>
+            <a:pPr marL="343080" indent="-342000">
+              <a:lnSpc>
+                <a:spcPct val="100000"/>
+              </a:lnSpc>
+              <a:spcBef>
+                <a:spcPts val="641"/>
+              </a:spcBef>
+              <a:buClr>
+                <a:srgbClr val="000000"/>
+              </a:buClr>
+              <a:buFont typeface="Arial"/>
+              <a:buChar char="•"/>
+            </a:pPr>
+            <a:r>
+              <a:rPr b="0" lang="en-US" sz="3200" spc="-1" strike="noStrike">
+                <a:solidFill>
+                  <a:srgbClr val="000000"/>
+                </a:solidFill>
+                <a:latin typeface="Calibri"/>
+                <a:ea typeface="DejaVu Sans"/>
+              </a:rPr>
+              <a:t>an organism to acquire (absorb), process (digest), and use nutrients for biological</a:t>
+            </a:r>
+            <a:endParaRPr b="0" lang="en-US" sz="3200" spc="-1" strike="noStrike">
+              <a:latin typeface="Arial"/>
+            </a:endParaRPr>
+          </a:p>
+          <a:p>
+            <a:pPr marL="343080" indent="-342000">
+              <a:lnSpc>
+                <a:spcPct val="100000"/>
+              </a:lnSpc>
+              <a:spcBef>
+                <a:spcPts val="641"/>
+              </a:spcBef>
+              <a:buClr>
+                <a:srgbClr val="000000"/>
+              </a:buClr>
+              <a:buFont typeface="Arial"/>
+              <a:buChar char="•"/>
+            </a:pPr>
+            <a:r>
+              <a:rPr b="0" lang="en-US" sz="3200" spc="-1" strike="noStrike">
+                <a:solidFill>
+                  <a:srgbClr val="000000"/>
+                </a:solidFill>
+                <a:latin typeface="Calibri"/>
+                <a:ea typeface="DejaVu Sans"/>
+              </a:rPr>
+              <a:t>ends such as development, growth, maintenance, and repair; tellingly, he uses the</a:t>
+            </a:r>
+            <a:endParaRPr b="0" lang="en-US" sz="3200" spc="-1" strike="noStrike">
+              <a:latin typeface="Arial"/>
+            </a:endParaRPr>
+          </a:p>
+          <a:p>
+            <a:pPr marL="343080" indent="-342000">
+              <a:lnSpc>
+                <a:spcPct val="100000"/>
+              </a:lnSpc>
+              <a:spcBef>
+                <a:spcPts val="641"/>
+              </a:spcBef>
+              <a:buClr>
+                <a:srgbClr val="000000"/>
+              </a:buClr>
+              <a:buFont typeface="Arial"/>
+              <a:buChar char="•"/>
+            </a:pPr>
+            <a:r>
+              <a:rPr b="0" lang="en-US" sz="3200" spc="-1" strike="noStrike">
+                <a:solidFill>
+                  <a:srgbClr val="000000"/>
+                </a:solidFill>
+                <a:latin typeface="Calibri"/>
+                <a:ea typeface="DejaVu Sans"/>
+              </a:rPr>
+              <a:t>terms “self-nutrition”and “nutrition”interchangeably in his writing</a:t>
+            </a:r>
+            <a:endParaRPr b="0" lang="en-US" sz="3200" spc="-1" strike="noStrike">
+              <a:latin typeface="Arial"/>
+            </a:endParaRPr>
+          </a:p>
+          <a:p>
+            <a:pPr marL="343080" indent="-342000">
+              <a:lnSpc>
+                <a:spcPct val="100000"/>
+              </a:lnSpc>
+              <a:spcBef>
+                <a:spcPts val="641"/>
+              </a:spcBef>
+              <a:buClr>
+                <a:srgbClr val="000000"/>
+              </a:buClr>
+              <a:buFont typeface="Arial"/>
+              <a:buChar char="•"/>
+            </a:pPr>
+            <a:r>
+              <a:rPr b="0" lang="en-US" sz="1800" spc="-1" strike="noStrike">
+                <a:solidFill>
+                  <a:srgbClr val="000000"/>
+                </a:solidFill>
+                <a:latin typeface="Calibri"/>
+                <a:ea typeface="DejaVu Sans"/>
+              </a:rPr>
+              <a:t>F=ma newton</a:t>
+            </a:r>
+            <a:br/>
+            <a:r>
+              <a:rPr b="0" lang="en-US" sz="3200" spc="-1" strike="noStrike">
+                <a:solidFill>
+                  <a:srgbClr val="000000"/>
+                </a:solidFill>
+                <a:latin typeface="Calibri"/>
+                <a:ea typeface="DejaVu Sans"/>
+              </a:rPr>
+              <a:t>"spontaneous assembly" "emergence"</a:t>
+            </a:r>
+            <a:endParaRPr b="0" lang="en-US" sz="3200" spc="-1" strike="noStrike">
+              <a:latin typeface="Arial"/>
+            </a:endParaRPr>
+          </a:p>
+          <a:p>
+            <a:pPr marL="343080" indent="-342000">
+              <a:lnSpc>
+                <a:spcPct val="100000"/>
+              </a:lnSpc>
+              <a:spcBef>
+                <a:spcPts val="641"/>
+              </a:spcBef>
+              <a:buClr>
+                <a:srgbClr val="000000"/>
+              </a:buClr>
+              <a:buFont typeface="Arial"/>
+              <a:buChar char="•"/>
+            </a:pPr>
+            <a:r>
+              <a:rPr b="0" lang="en-US" sz="3200" spc="-1" strike="noStrike">
+                <a:solidFill>
+                  <a:srgbClr val="000000"/>
+                </a:solidFill>
+                <a:latin typeface="Calibri"/>
+                <a:ea typeface="DejaVu Sans"/>
+              </a:rPr>
+              <a:t>Affects of collisions</a:t>
+            </a:r>
+            <a:endParaRPr b="0" lang="en-US" sz="3200" spc="-1" strike="noStrike">
+              <a:latin typeface="Arial"/>
+            </a:endParaRPr>
+          </a:p>
+          <a:p>
+            <a:pPr>
+              <a:lnSpc>
+                <a:spcPct val="100000"/>
+              </a:lnSpc>
+              <a:spcBef>
+                <a:spcPts val="641"/>
+              </a:spcBef>
+            </a:pPr>
+            <a:endParaRPr b="0" lang="en-US" sz="3200" spc="-1" strike="noStrike">
+              <a:latin typeface="Arial"/>
+            </a:endParaRPr>
+          </a:p>
+          <a:p>
+            <a:pPr marL="343080" indent="-342000">
+              <a:lnSpc>
+                <a:spcPct val="100000"/>
+              </a:lnSpc>
+              <a:spcBef>
+                <a:spcPts val="641"/>
+              </a:spcBef>
+              <a:buClr>
+                <a:srgbClr val="000000"/>
+              </a:buClr>
+              <a:buFont typeface="Arial"/>
+              <a:buChar char="•"/>
+            </a:pPr>
+            <a:r>
+              <a:rPr b="0" lang="en-US" sz="3200" spc="-1" strike="noStrike">
+                <a:solidFill>
+                  <a:srgbClr val="000000"/>
+                </a:solidFill>
+                <a:latin typeface="Calibri"/>
+                <a:ea typeface="DejaVu Sans"/>
+              </a:rPr>
+              <a:t>early science question of mechanism, how things work together, how things are produced. what is the singular collisions of atoms and the consistency of consiosuness</a:t>
+            </a:r>
+            <a:endParaRPr b="0" lang="en-US" sz="3200" spc="-1" strike="noStrike">
+              <a:latin typeface="Arial"/>
+            </a:endParaRPr>
+          </a:p>
+          <a:p>
+            <a:pPr>
+              <a:lnSpc>
+                <a:spcPct val="100000"/>
+              </a:lnSpc>
+              <a:spcBef>
+                <a:spcPts val="641"/>
+              </a:spcBef>
+            </a:pPr>
+            <a:br/>
+            <a:endParaRPr b="0" lang="en-US" sz="3200" spc="-1" strike="noStrike">
+              <a:latin typeface="Arial"/>
+            </a:endParaRPr>
+          </a:p>
+          <a:p>
+            <a:pPr marL="343080" indent="-342000">
+              <a:lnSpc>
+                <a:spcPct val="100000"/>
+              </a:lnSpc>
+              <a:spcBef>
+                <a:spcPts val="641"/>
+              </a:spcBef>
+            </a:pPr>
+            <a:endParaRPr b="0" lang="en-US" sz="3200" spc="-1" strike="noStrike">
+              <a:latin typeface="Arial"/>
+            </a:endParaRPr>
+          </a:p>
+          <a:p>
+            <a:pPr marL="343080" indent="-342000">
+              <a:lnSpc>
+                <a:spcPct val="100000"/>
+              </a:lnSpc>
+              <a:spcBef>
+                <a:spcPts val="641"/>
+              </a:spcBef>
+            </a:pPr>
+            <a:endParaRPr b="0" lang="en-US" sz="3200" spc="-1" strike="noStrike">
+              <a:latin typeface="Arial"/>
+            </a:endParaRPr>
+          </a:p>
+        </p:txBody>
       </p:sp>
     </p:spTree>
   </p:cSld>
+  <p:timing>
+    <p:tnLst>
+      <p:par>
+        <p:cTn id="27" dur="indefinite" restart="never" nodeType="tmRoot">
+          <p:childTnLst>
+            <p:seq>
+              <p:cTn id="28" dur="indefinite" nodeType="mainSeq"/>
+              <p:prevCondLst>
+                <p:cond delay="0" evt="onPrev">
+                  <p:tgtEl>
+                    <p:sldTgt/>
+                  </p:tgtEl>
+                </p:cond>
+              </p:prevCondLst>
+              <p:nextCondLst>
+                <p:cond delay="0" evt="onNext">
+                  <p:tgtEl>
+                    <p:sldTgt/>
+                  </p:tgtEl>
+                </p:cond>
+              </p:nextCondLst>
+            </p:seq>
+          </p:childTnLst>
+        </p:cTn>
+      </p:par>
+    </p:tnLst>
+  </p:timing>
 </p:sld>
 </file>
 
@@ -4026,8 +4988,8 @@
         </p:nvSpPr>
         <p:spPr>
           <a:xfrm>
-            <a:off x="457200" y="274680"/>
-            <a:ext cx="8228880" cy="1142280"/>
+            <a:off x="274320" y="1280160"/>
+            <a:ext cx="8777880" cy="1881720"/>
           </a:xfrm>
           <a:prstGeom prst="rect">
             <a:avLst/>
@@ -4044,56 +5006,178 @@
           <a:fontRef idx="minor"/>
         </p:style>
         <p:txBody>
-          <a:bodyPr lIns="90000" rIns="90000" tIns="45000" bIns="45000" anchor="ctr"/>
-          <a:p>
-            <a:pPr algn="ctr">
+          <a:bodyPr lIns="90000" rIns="90000" tIns="45000" bIns="45000"/>
+          <a:p>
+            <a:pPr>
               <a:lnSpc>
                 <a:spcPct val="100000"/>
               </a:lnSpc>
             </a:pPr>
             <a:r>
-              <a:rPr b="0" lang="en-US" sz="4400" spc="-1" strike="noStrike">
-                <a:solidFill>
-                  <a:srgbClr val="000000"/>
-                </a:solidFill>
-                <a:latin typeface="Calibri"/>
-              </a:rPr>
-              <a:t>Maternal Practice</a:t>
-            </a:r>
-            <a:endParaRPr b="0" lang="en-US" sz="4400" spc="-1" strike="noStrike">
-              <a:latin typeface="Arial"/>
-            </a:endParaRPr>
-          </a:p>
-        </p:txBody>
-      </p:sp>
-      <p:sp>
-        <p:nvSpPr>
-          <p:cNvPr id="106" name="CustomShape 2"/>
-          <p:cNvSpPr/>
+              <a:rPr b="0" lang="en-US" sz="1800" spc="-1" strike="noStrike">
+                <a:latin typeface="Arial"/>
+              </a:rPr>
+              <a:t>Two types of relation</a:t>
+            </a:r>
+            <a:endParaRPr b="0" lang="en-US" sz="1800" spc="-1" strike="noStrike">
+              <a:latin typeface="Arial"/>
+            </a:endParaRPr>
+          </a:p>
+          <a:p>
+            <a:pPr>
+              <a:lnSpc>
+                <a:spcPct val="100000"/>
+              </a:lnSpc>
+            </a:pPr>
+            <a:endParaRPr b="0" lang="en-US" sz="1800" spc="-1" strike="noStrike">
+              <a:latin typeface="Arial"/>
+            </a:endParaRPr>
+          </a:p>
+          <a:p>
+            <a:pPr>
+              <a:lnSpc>
+                <a:spcPct val="100000"/>
+              </a:lnSpc>
+            </a:pPr>
+            <a:r>
+              <a:rPr b="0" lang="en-US" sz="1800" spc="-1" strike="noStrike">
+                <a:latin typeface="Arial"/>
+              </a:rPr>
+              <a:t>Heraclitus, governed by laws of physcis, Newtonian or non-newtonian</a:t>
+            </a:r>
+            <a:endParaRPr b="0" lang="en-US" sz="1800" spc="-1" strike="noStrike">
+              <a:latin typeface="Arial"/>
+            </a:endParaRPr>
+          </a:p>
+          <a:p>
+            <a:pPr>
+              <a:lnSpc>
+                <a:spcPct val="100000"/>
+              </a:lnSpc>
+            </a:pPr>
+            <a:r>
+              <a:rPr b="0" lang="en-US" sz="1800" spc="-1" strike="noStrike">
+                <a:latin typeface="Arial"/>
+              </a:rPr>
+              <a:t>Force and matter </a:t>
+            </a:r>
+            <a:endParaRPr b="0" lang="en-US" sz="1800" spc="-1" strike="noStrike">
+              <a:latin typeface="Arial"/>
+            </a:endParaRPr>
+          </a:p>
+          <a:p>
+            <a:pPr>
+              <a:lnSpc>
+                <a:spcPct val="100000"/>
+              </a:lnSpc>
+            </a:pPr>
+            <a:endParaRPr b="0" lang="en-US" sz="1800" spc="-1" strike="noStrike">
+              <a:latin typeface="Arial"/>
+            </a:endParaRPr>
+          </a:p>
+          <a:p>
+            <a:pPr>
+              <a:lnSpc>
+                <a:spcPct val="100000"/>
+              </a:lnSpc>
+            </a:pPr>
+            <a:r>
+              <a:rPr b="0" lang="en-US" sz="1800" spc="-1" strike="noStrike">
+                <a:latin typeface="Arial"/>
+              </a:rPr>
+              <a:t>Familial Relation</a:t>
+            </a:r>
+            <a:endParaRPr b="0" lang="en-US" sz="1800" spc="-1" strike="noStrike">
+              <a:latin typeface="Arial"/>
+            </a:endParaRPr>
+          </a:p>
+          <a:p>
+            <a:pPr>
+              <a:lnSpc>
+                <a:spcPct val="100000"/>
+              </a:lnSpc>
+            </a:pPr>
+            <a:endParaRPr b="0" lang="en-US" sz="1800" spc="-1" strike="noStrike">
+              <a:latin typeface="Arial"/>
+            </a:endParaRPr>
+          </a:p>
+        </p:txBody>
+      </p:sp>
+      <p:pic>
+        <p:nvPicPr>
+          <p:cNvPr id="106" name="" descr=""/>
+          <p:cNvPicPr/>
           <p:nvPr/>
-        </p:nvSpPr>
-        <p:spPr>
-          <a:xfrm>
-            <a:off x="457200" y="1600200"/>
-            <a:ext cx="8228880" cy="4525200"/>
-          </a:xfrm>
-          <a:prstGeom prst="rect">
-            <a:avLst/>
-          </a:prstGeom>
-          <a:noFill/>
+        </p:nvPicPr>
+        <p:blipFill>
+          <a:blip r:embed="rId1"/>
+          <a:stretch/>
+        </p:blipFill>
+        <p:spPr>
+          <a:xfrm>
+            <a:off x="794160" y="3291840"/>
+            <a:ext cx="2528640" cy="1738080"/>
+          </a:xfrm>
+          <a:prstGeom prst="rect">
+            <a:avLst/>
+          </a:prstGeom>
           <a:ln>
             <a:noFill/>
           </a:ln>
         </p:spPr>
-        <p:style>
-          <a:lnRef idx="0"/>
-          <a:fillRef idx="0"/>
-          <a:effectRef idx="0"/>
-          <a:fontRef idx="minor"/>
-        </p:style>
-      </p:sp>
+      </p:pic>
+      <p:pic>
+        <p:nvPicPr>
+          <p:cNvPr id="107" name="" descr=""/>
+          <p:cNvPicPr/>
+          <p:nvPr/>
+        </p:nvPicPr>
+        <p:blipFill>
+          <a:blip r:embed="rId2"/>
+          <a:stretch/>
+        </p:blipFill>
+        <p:spPr>
+          <a:xfrm>
+            <a:off x="4889520" y="3219480"/>
+            <a:ext cx="3101040" cy="3089520"/>
+          </a:xfrm>
+          <a:prstGeom prst="rect">
+            <a:avLst/>
+          </a:prstGeom>
+          <a:ln>
+            <a:noFill/>
+          </a:ln>
+        </p:spPr>
+      </p:pic>
     </p:spTree>
   </p:cSld>
+  <p:timing>
+    <p:tnLst>
+      <p:par>
+        <p:cTn id="29" dur="indefinite" restart="never" nodeType="tmRoot">
+          <p:childTnLst>
+            <p:seq>
+              <p:cTn id="30" dur="indefinite" nodeType="mainSeq"/>
+              <p:prevCondLst>
+                <p:cond delay="0" evt="onPrev">
+                  <p:tgtEl>
+                    <p:sldTgt/>
+                  </p:tgtEl>
+                </p:cond>
+              </p:prevCondLst>
+              <p:nextCondLst>
+                <p:cond delay="0" evt="onNext">
+                  <p:tgtEl>
+                    <p:sldTgt/>
+                  </p:tgtEl>
+                </p:cond>
+              </p:nextCondLst>
+            </p:seq>
+          </p:childTnLst>
+        </p:cTn>
+      </p:par>
+    </p:tnLst>
+  </p:timing>
 </p:sld>
 </file>
 
@@ -4116,14 +5200,14 @@
       </p:grpSpPr>
       <p:sp>
         <p:nvSpPr>
-          <p:cNvPr id="107" name="CustomShape 1"/>
+          <p:cNvPr id="108" name="CustomShape 1"/>
           <p:cNvSpPr/>
           <p:nvPr/>
         </p:nvSpPr>
         <p:spPr>
           <a:xfrm>
-            <a:off x="457200" y="274680"/>
-            <a:ext cx="8228880" cy="1142280"/>
+            <a:off x="731520" y="1280160"/>
+            <a:ext cx="7589160" cy="4953240"/>
           </a:xfrm>
           <a:prstGeom prst="rect">
             <a:avLst/>
@@ -4140,56 +5224,138 @@
           <a:fontRef idx="minor"/>
         </p:style>
         <p:txBody>
-          <a:bodyPr lIns="90000" rIns="90000" tIns="45000" bIns="45000" anchor="ctr"/>
-          <a:p>
-            <a:pPr algn="ctr">
+          <a:bodyPr lIns="90000" rIns="90000" tIns="45000" bIns="45000"/>
+          <a:p>
+            <a:pPr>
               <a:lnSpc>
                 <a:spcPct val="100000"/>
               </a:lnSpc>
             </a:pPr>
             <a:r>
-              <a:rPr b="0" lang="en-US" sz="4400" spc="-1" strike="noStrike">
-                <a:solidFill>
-                  <a:srgbClr val="000000"/>
-                </a:solidFill>
-                <a:latin typeface="Calibri"/>
-              </a:rPr>
-              <a:t>Allomothering</a:t>
-            </a:r>
-            <a:endParaRPr b="0" lang="en-US" sz="4400" spc="-1" strike="noStrike">
-              <a:latin typeface="Arial"/>
-            </a:endParaRPr>
-          </a:p>
-        </p:txBody>
-      </p:sp>
-      <p:sp>
-        <p:nvSpPr>
-          <p:cNvPr id="108" name="CustomShape 2"/>
-          <p:cNvSpPr/>
-          <p:nvPr/>
-        </p:nvSpPr>
-        <p:spPr>
-          <a:xfrm>
-            <a:off x="457200" y="1600200"/>
-            <a:ext cx="8228880" cy="4525200"/>
-          </a:xfrm>
-          <a:prstGeom prst="rect">
-            <a:avLst/>
-          </a:prstGeom>
-          <a:noFill/>
-          <a:ln>
-            <a:noFill/>
-          </a:ln>
-        </p:spPr>
-        <p:style>
-          <a:lnRef idx="0"/>
-          <a:fillRef idx="0"/>
-          <a:effectRef idx="0"/>
-          <a:fontRef idx="minor"/>
-        </p:style>
+              <a:rPr b="0" lang="en-US" sz="1800" spc="-1" strike="noStrike">
+                <a:latin typeface="Arial"/>
+              </a:rPr>
+              <a:t>Selfhood, Levinas explains, is not a stable identity but a process of self-identification, of appropriating the diversity of otherness and integrating it back into a unitary selfhood. </a:t>
+            </a:r>
+            <a:endParaRPr b="0" lang="en-US" sz="1800" spc="-1" strike="noStrike">
+              <a:latin typeface="Arial"/>
+            </a:endParaRPr>
+          </a:p>
+          <a:p>
+            <a:pPr>
+              <a:lnSpc>
+                <a:spcPct val="100000"/>
+              </a:lnSpc>
+            </a:pPr>
+            <a:endParaRPr b="0" lang="en-US" sz="1800" spc="-1" strike="noStrike">
+              <a:latin typeface="Arial"/>
+            </a:endParaRPr>
+          </a:p>
+          <a:p>
+            <a:pPr>
+              <a:lnSpc>
+                <a:spcPct val="100000"/>
+              </a:lnSpc>
+            </a:pPr>
+            <a:r>
+              <a:rPr b="0" lang="en-US" sz="1800" spc="-1" strike="noStrike">
+                <a:latin typeface="Arial"/>
+              </a:rPr>
+              <a:t> </a:t>
+            </a:r>
+            <a:r>
+              <a:rPr b="0" lang="en-US" sz="1800" spc="-1" strike="noStrike">
+                <a:latin typeface="Arial"/>
+              </a:rPr>
+              <a:t>The ego is neither a particular instance of a universal category nor something that partakes of elemental forces or codes, but rather something that lives a contented life, living from its contents, fulfilling itself by filling itself. </a:t>
+            </a:r>
+            <a:endParaRPr b="0" lang="en-US" sz="1800" spc="-1" strike="noStrike">
+              <a:latin typeface="Arial"/>
+            </a:endParaRPr>
+          </a:p>
+          <a:p>
+            <a:pPr>
+              <a:lnSpc>
+                <a:spcPct val="100000"/>
+              </a:lnSpc>
+            </a:pPr>
+            <a:endParaRPr b="0" lang="en-US" sz="1800" spc="-1" strike="noStrike">
+              <a:latin typeface="Arial"/>
+            </a:endParaRPr>
+          </a:p>
+          <a:p>
+            <a:pPr>
+              <a:lnSpc>
+                <a:spcPct val="100000"/>
+              </a:lnSpc>
+            </a:pPr>
+            <a:r>
+              <a:rPr b="0" lang="en-US" sz="1800" spc="-1" strike="noStrike">
+                <a:latin typeface="Arial"/>
+              </a:rPr>
+              <a:t>. In contrast, Levinas explains that the self initially relates to the other through a process of incorporation and not externalization, through consumption and not production.   process of incorporation and not externalization, through consumption and not production. By emphasizing consumption, Levinas seems to be drawing attention the way in which one begins one’s existence -- not as an agent asserting its sovereign will and projecting its spirit onto things but rather as someone vulnerable who needs to be sustained by the world in order to survive.</a:t>
+            </a:r>
+            <a:endParaRPr b="0" lang="en-US" sz="1800" spc="-1" strike="noStrike">
+              <a:latin typeface="Arial"/>
+            </a:endParaRPr>
+          </a:p>
+          <a:p>
+            <a:pPr>
+              <a:lnSpc>
+                <a:spcPct val="100000"/>
+              </a:lnSpc>
+            </a:pPr>
+            <a:endParaRPr b="0" lang="en-US" sz="1800" spc="-1" strike="noStrike">
+              <a:latin typeface="Arial"/>
+            </a:endParaRPr>
+          </a:p>
+          <a:p>
+            <a:pPr>
+              <a:lnSpc>
+                <a:spcPct val="100000"/>
+              </a:lnSpc>
+            </a:pPr>
+            <a:r>
+              <a:rPr b="0" lang="en-US" sz="1800" spc="-1" strike="noStrike">
+                <a:latin typeface="Arial"/>
+              </a:rPr>
+              <a:t>Hand to mouth</a:t>
+            </a:r>
+            <a:endParaRPr b="0" lang="en-US" sz="1800" spc="-1" strike="noStrike">
+              <a:latin typeface="Arial"/>
+            </a:endParaRPr>
+          </a:p>
+        </p:txBody>
       </p:sp>
     </p:spTree>
   </p:cSld>
+  <p:timing>
+    <p:tnLst>
+      <p:par>
+        <p:cTn id="31" dur="indefinite" restart="never" nodeType="tmRoot">
+          <p:childTnLst>
+            <p:seq>
+              <p:cTn id="32" dur="indefinite" nodeType="mainSeq"/>
+              <p:prevCondLst>
+                <p:cond delay="0" evt="onPrev">
+                  <p:tgtEl>
+                    <p:sldTgt/>
+                  </p:tgtEl>
+                </p:cond>
+              </p:prevCondLst>
+              <p:nextCondLst>
+                <p:cond delay="0" evt="onNext">
+                  <p:tgtEl>
+                    <p:sldTgt/>
+                  </p:tgtEl>
+                </p:cond>
+              </p:nextCondLst>
+            </p:seq>
+          </p:childTnLst>
+        </p:cTn>
+      </p:par>
+    </p:tnLst>
+  </p:timing>
 </p:sld>
 </file>
 
@@ -4219,7 +5385,7 @@
         <p:spPr>
           <a:xfrm>
             <a:off x="457200" y="274680"/>
-            <a:ext cx="8228880" cy="1142280"/>
+            <a:ext cx="8228520" cy="1141920"/>
           </a:xfrm>
           <a:prstGeom prst="rect">
             <a:avLst/>
@@ -4249,8 +5415,9 @@
                   <a:srgbClr val="000000"/>
                 </a:solidFill>
                 <a:latin typeface="Calibri"/>
-              </a:rPr>
-              <a:t>Granarchism</a:t>
+                <a:ea typeface="DejaVu Sans"/>
+              </a:rPr>
+              <a:t>Becoming as Regeneration</a:t>
             </a:r>
             <a:endParaRPr b="0" lang="en-US" sz="4400" spc="-1" strike="noStrike">
               <a:latin typeface="Arial"/>
@@ -4267,7 +5434,327 @@
         <p:spPr>
           <a:xfrm>
             <a:off x="457200" y="1600200"/>
-            <a:ext cx="8228880" cy="4525200"/>
+            <a:ext cx="8228520" cy="4524840"/>
+          </a:xfrm>
+          <a:prstGeom prst="rect">
+            <a:avLst/>
+          </a:prstGeom>
+          <a:noFill/>
+          <a:ln>
+            <a:noFill/>
+          </a:ln>
+        </p:spPr>
+        <p:style>
+          <a:lnRef idx="0"/>
+          <a:fillRef idx="0"/>
+          <a:effectRef idx="0"/>
+          <a:fontRef idx="minor"/>
+        </p:style>
+        <p:txBody>
+          <a:bodyPr lIns="90000" rIns="90000" tIns="45000" bIns="45000"/>
+          <a:p>
+            <a:pPr marL="343080" indent="-342000">
+              <a:lnSpc>
+                <a:spcPct val="100000"/>
+              </a:lnSpc>
+              <a:spcBef>
+                <a:spcPts val="641"/>
+              </a:spcBef>
+              <a:buClr>
+                <a:srgbClr val="000000"/>
+              </a:buClr>
+              <a:buFont typeface="Arial"/>
+              <a:buChar char="•"/>
+            </a:pPr>
+            <a:r>
+              <a:rPr b="0" lang="en-US" sz="3200" spc="-1" strike="noStrike">
+                <a:solidFill>
+                  <a:srgbClr val="000000"/>
+                </a:solidFill>
+                <a:latin typeface="Calibri"/>
+                <a:ea typeface="DejaVu Sans"/>
+              </a:rPr>
+              <a:t>Not anonymous,</a:t>
+            </a:r>
+            <a:endParaRPr b="0" lang="en-US" sz="3200" spc="-1" strike="noStrike">
+              <a:latin typeface="Arial"/>
+            </a:endParaRPr>
+          </a:p>
+          <a:p>
+            <a:pPr marL="343080" indent="-342000">
+              <a:lnSpc>
+                <a:spcPct val="100000"/>
+              </a:lnSpc>
+              <a:spcBef>
+                <a:spcPts val="641"/>
+              </a:spcBef>
+              <a:buClr>
+                <a:srgbClr val="000000"/>
+              </a:buClr>
+              <a:buFont typeface="Arial"/>
+              <a:buChar char="•"/>
+            </a:pPr>
+            <a:r>
+              <a:rPr b="0" lang="en-US" sz="3200" spc="-1" strike="noStrike">
+                <a:solidFill>
+                  <a:srgbClr val="000000"/>
+                </a:solidFill>
+                <a:latin typeface="Calibri"/>
+                <a:ea typeface="DejaVu Sans"/>
+              </a:rPr>
+              <a:t>Material becoming occurs through the intercession of others</a:t>
+            </a:r>
+            <a:endParaRPr b="0" lang="en-US" sz="3200" spc="-1" strike="noStrike">
+              <a:latin typeface="Arial"/>
+            </a:endParaRPr>
+          </a:p>
+          <a:p>
+            <a:pPr>
+              <a:lnSpc>
+                <a:spcPct val="100000"/>
+              </a:lnSpc>
+              <a:spcBef>
+                <a:spcPts val="641"/>
+              </a:spcBef>
+            </a:pPr>
+            <a:endParaRPr b="0" lang="en-US" sz="3200" spc="-1" strike="noStrike">
+              <a:latin typeface="Arial"/>
+            </a:endParaRPr>
+          </a:p>
+        </p:txBody>
+      </p:sp>
+    </p:spTree>
+  </p:cSld>
+  <p:timing>
+    <p:tnLst>
+      <p:par>
+        <p:cTn id="33" dur="indefinite" restart="never" nodeType="tmRoot">
+          <p:childTnLst>
+            <p:seq>
+              <p:cTn id="34" dur="indefinite" nodeType="mainSeq"/>
+              <p:prevCondLst>
+                <p:cond delay="0" evt="onPrev">
+                  <p:tgtEl>
+                    <p:sldTgt/>
+                  </p:tgtEl>
+                </p:cond>
+              </p:prevCondLst>
+              <p:nextCondLst>
+                <p:cond delay="0" evt="onNext">
+                  <p:tgtEl>
+                    <p:sldTgt/>
+                  </p:tgtEl>
+                </p:cond>
+              </p:nextCondLst>
+            </p:seq>
+          </p:childTnLst>
+        </p:cTn>
+      </p:par>
+    </p:tnLst>
+  </p:timing>
+</p:sld>
+</file>
+
+<file path=ppt/slides/slide18.xml><?xml version="1.0" encoding="utf-8"?>
+<p:sld xmlns:a="http://schemas.openxmlformats.org/drawingml/2006/main" xmlns:p="http://schemas.openxmlformats.org/presentationml/2006/main" xmlns:r="http://schemas.openxmlformats.org/officeDocument/2006/relationships" xmlns:p14="http://schemas.microsoft.com/office/powerpoint/2010/main" xmlns:p15="http://schemas.microsoft.com/office/powerpoint/2012/main" xmlns:mc="http://schemas.openxmlformats.org/markup-compatibility/2006">
+  <p:cSld>
+    <p:spTree>
+      <p:nvGrpSpPr>
+        <p:cNvPr id="1" name=""/>
+        <p:cNvGrpSpPr/>
+        <p:nvPr/>
+      </p:nvGrpSpPr>
+      <p:grpSpPr>
+        <a:xfrm>
+          <a:off x="0" y="0"/>
+          <a:ext cx="0" cy="0"/>
+          <a:chOff x="0" y="0"/>
+          <a:chExt cx="0" cy="0"/>
+        </a:xfrm>
+      </p:grpSpPr>
+      <p:sp>
+        <p:nvSpPr>
+          <p:cNvPr id="111" name="CustomShape 1"/>
+          <p:cNvSpPr/>
+          <p:nvPr/>
+        </p:nvSpPr>
+        <p:spPr>
+          <a:xfrm>
+            <a:off x="457200" y="274680"/>
+            <a:ext cx="8228520" cy="1141920"/>
+          </a:xfrm>
+          <a:prstGeom prst="rect">
+            <a:avLst/>
+          </a:prstGeom>
+          <a:noFill/>
+          <a:ln>
+            <a:noFill/>
+          </a:ln>
+        </p:spPr>
+        <p:style>
+          <a:lnRef idx="0"/>
+          <a:fillRef idx="0"/>
+          <a:effectRef idx="0"/>
+          <a:fontRef idx="minor"/>
+        </p:style>
+        <p:txBody>
+          <a:bodyPr lIns="90000" rIns="90000" tIns="45000" bIns="45000" anchor="ctr"/>
+          <a:p>
+            <a:pPr algn="ctr">
+              <a:lnSpc>
+                <a:spcPct val="100000"/>
+              </a:lnSpc>
+            </a:pPr>
+            <a:r>
+              <a:rPr b="0" lang="en-US" sz="4400" spc="-1" strike="noStrike">
+                <a:solidFill>
+                  <a:srgbClr val="000000"/>
+                </a:solidFill>
+                <a:latin typeface="Calibri"/>
+                <a:ea typeface="DejaVu Sans"/>
+              </a:rPr>
+              <a:t>Theory of Becoming</a:t>
+            </a:r>
+            <a:endParaRPr b="0" lang="en-US" sz="4400" spc="-1" strike="noStrike">
+              <a:latin typeface="Arial"/>
+            </a:endParaRPr>
+          </a:p>
+        </p:txBody>
+      </p:sp>
+      <p:sp>
+        <p:nvSpPr>
+          <p:cNvPr id="112" name="CustomShape 2"/>
+          <p:cNvSpPr/>
+          <p:nvPr/>
+        </p:nvSpPr>
+        <p:spPr>
+          <a:xfrm>
+            <a:off x="457200" y="1600200"/>
+            <a:ext cx="8228520" cy="4524840"/>
+          </a:xfrm>
+          <a:prstGeom prst="rect">
+            <a:avLst/>
+          </a:prstGeom>
+          <a:noFill/>
+          <a:ln>
+            <a:noFill/>
+          </a:ln>
+        </p:spPr>
+        <p:style>
+          <a:lnRef idx="0"/>
+          <a:fillRef idx="0"/>
+          <a:effectRef idx="0"/>
+          <a:fontRef idx="minor"/>
+        </p:style>
+      </p:sp>
+    </p:spTree>
+  </p:cSld>
+  <p:timing>
+    <p:tnLst>
+      <p:par>
+        <p:cTn id="35" dur="indefinite" restart="never" nodeType="tmRoot">
+          <p:childTnLst>
+            <p:seq>
+              <p:cTn id="36" dur="indefinite" nodeType="mainSeq"/>
+              <p:prevCondLst>
+                <p:cond delay="0" evt="onPrev">
+                  <p:tgtEl>
+                    <p:sldTgt/>
+                  </p:tgtEl>
+                </p:cond>
+              </p:prevCondLst>
+              <p:nextCondLst>
+                <p:cond delay="0" evt="onNext">
+                  <p:tgtEl>
+                    <p:sldTgt/>
+                  </p:tgtEl>
+                </p:cond>
+              </p:nextCondLst>
+            </p:seq>
+          </p:childTnLst>
+        </p:cTn>
+      </p:par>
+    </p:tnLst>
+  </p:timing>
+</p:sld>
+</file>
+
+<file path=ppt/slides/slide19.xml><?xml version="1.0" encoding="utf-8"?>
+<p:sld xmlns:a="http://schemas.openxmlformats.org/drawingml/2006/main" xmlns:p="http://schemas.openxmlformats.org/presentationml/2006/main" xmlns:r="http://schemas.openxmlformats.org/officeDocument/2006/relationships" xmlns:p14="http://schemas.microsoft.com/office/powerpoint/2010/main" xmlns:p15="http://schemas.microsoft.com/office/powerpoint/2012/main" xmlns:mc="http://schemas.openxmlformats.org/markup-compatibility/2006">
+  <p:cSld>
+    <p:spTree>
+      <p:nvGrpSpPr>
+        <p:cNvPr id="1" name=""/>
+        <p:cNvGrpSpPr/>
+        <p:nvPr/>
+      </p:nvGrpSpPr>
+      <p:grpSpPr>
+        <a:xfrm>
+          <a:off x="0" y="0"/>
+          <a:ext cx="0" cy="0"/>
+          <a:chOff x="0" y="0"/>
+          <a:chExt cx="0" cy="0"/>
+        </a:xfrm>
+      </p:grpSpPr>
+      <p:sp>
+        <p:nvSpPr>
+          <p:cNvPr id="113" name="CustomShape 1"/>
+          <p:cNvSpPr/>
+          <p:nvPr/>
+        </p:nvSpPr>
+        <p:spPr>
+          <a:xfrm>
+            <a:off x="457200" y="274680"/>
+            <a:ext cx="8228520" cy="1141920"/>
+          </a:xfrm>
+          <a:prstGeom prst="rect">
+            <a:avLst/>
+          </a:prstGeom>
+          <a:noFill/>
+          <a:ln>
+            <a:noFill/>
+          </a:ln>
+        </p:spPr>
+        <p:style>
+          <a:lnRef idx="0"/>
+          <a:fillRef idx="0"/>
+          <a:effectRef idx="0"/>
+          <a:fontRef idx="minor"/>
+        </p:style>
+        <p:txBody>
+          <a:bodyPr lIns="90000" rIns="90000" tIns="45000" bIns="45000" anchor="ctr"/>
+          <a:p>
+            <a:pPr algn="ctr">
+              <a:lnSpc>
+                <a:spcPct val="100000"/>
+              </a:lnSpc>
+            </a:pPr>
+            <a:r>
+              <a:rPr b="0" lang="en-US" sz="4400" spc="-1" strike="noStrike">
+                <a:solidFill>
+                  <a:srgbClr val="000000"/>
+                </a:solidFill>
+                <a:latin typeface="Calibri"/>
+                <a:ea typeface="DejaVu Sans"/>
+              </a:rPr>
+              <a:t>Metabolism</a:t>
+            </a:r>
+            <a:endParaRPr b="0" lang="en-US" sz="4400" spc="-1" strike="noStrike">
+              <a:latin typeface="Arial"/>
+            </a:endParaRPr>
+          </a:p>
+        </p:txBody>
+      </p:sp>
+      <p:sp>
+        <p:nvSpPr>
+          <p:cNvPr id="114" name="CustomShape 2"/>
+          <p:cNvSpPr/>
+          <p:nvPr/>
+        </p:nvSpPr>
+        <p:spPr>
+          <a:xfrm>
+            <a:off x="457200" y="1600200"/>
+            <a:ext cx="8228520" cy="4524840"/>
           </a:xfrm>
           <a:prstGeom prst="rect">
             <a:avLst/>
@@ -4308,14 +5795,14 @@
       </p:grpSpPr>
       <p:sp>
         <p:nvSpPr>
-          <p:cNvPr id="78" name="CustomShape 1"/>
-          <p:cNvSpPr/>
+          <p:cNvPr id="78" name="TextShape 1"/>
+          <p:cNvSpPr txBox="1"/>
           <p:nvPr/>
         </p:nvSpPr>
         <p:spPr>
           <a:xfrm>
-            <a:off x="457200" y="274680"/>
-            <a:ext cx="8228880" cy="1142280"/>
+            <a:off x="457200" y="273600"/>
+            <a:ext cx="8228880" cy="1144440"/>
           </a:xfrm>
           <a:prstGeom prst="rect">
             <a:avLst/>
@@ -4325,29 +5812,10 @@
             <a:noFill/>
           </a:ln>
         </p:spPr>
-        <p:style>
-          <a:lnRef idx="0"/>
-          <a:fillRef idx="0"/>
-          <a:effectRef idx="0"/>
-          <a:fontRef idx="minor"/>
-        </p:style>
-        <p:txBody>
-          <a:bodyPr lIns="90000" rIns="90000" tIns="45000" bIns="45000" anchor="ctr"/>
-          <a:p>
-            <a:pPr algn="ctr">
-              <a:lnSpc>
-                <a:spcPct val="100000"/>
-              </a:lnSpc>
-            </a:pPr>
-            <a:r>
-              <a:rPr b="0" lang="en-US" sz="4400" spc="-1" strike="noStrike">
-                <a:solidFill>
-                  <a:srgbClr val="000000"/>
-                </a:solidFill>
-                <a:latin typeface="Calibri"/>
-              </a:rPr>
-              <a:t>Dialogue on Nature of Evolution</a:t>
-            </a:r>
+        <p:txBody>
+          <a:bodyPr lIns="0" rIns="0" tIns="0" bIns="0" anchor="ctr"/>
+          <a:p>
+            <a:pPr algn="ctr"/>
             <a:endParaRPr b="0" lang="en-US" sz="4400" spc="-1" strike="noStrike">
               <a:latin typeface="Arial"/>
             </a:endParaRPr>
@@ -4356,14 +5824,14 @@
       </p:sp>
       <p:sp>
         <p:nvSpPr>
-          <p:cNvPr id="79" name="CustomShape 2"/>
-          <p:cNvSpPr/>
+          <p:cNvPr id="79" name="TextShape 2"/>
+          <p:cNvSpPr txBox="1"/>
           <p:nvPr/>
         </p:nvSpPr>
         <p:spPr>
           <a:xfrm>
-            <a:off x="457200" y="1600200"/>
-            <a:ext cx="8228880" cy="4525200"/>
+            <a:off x="548640" y="1737360"/>
+            <a:ext cx="8046720" cy="3929760"/>
           </a:xfrm>
           <a:prstGeom prst="rect">
             <a:avLst/>
@@ -4373,78 +5841,64 @@
             <a:noFill/>
           </a:ln>
         </p:spPr>
-        <p:style>
-          <a:lnRef idx="0"/>
-          <a:fillRef idx="0"/>
-          <a:effectRef idx="0"/>
-          <a:fontRef idx="minor"/>
-        </p:style>
         <p:txBody>
           <a:bodyPr lIns="90000" rIns="90000" tIns="45000" bIns="45000"/>
           <a:p>
-            <a:pPr marL="343080" indent="-342360">
-              <a:lnSpc>
-                <a:spcPct val="100000"/>
-              </a:lnSpc>
-              <a:spcBef>
-                <a:spcPts val="641"/>
-              </a:spcBef>
-              <a:buClr>
-                <a:srgbClr val="000000"/>
-              </a:buClr>
-              <a:buFont typeface="Arial"/>
-              <a:buChar char="•"/>
-            </a:pPr>
-            <a:r>
-              <a:rPr b="0" lang="en-US" sz="3200" spc="-1" strike="noStrike">
-                <a:solidFill>
-                  <a:srgbClr val="000000"/>
-                </a:solidFill>
-                <a:latin typeface="Calibri"/>
-              </a:rPr>
-              <a:t>Kropotkin</a:t>
-            </a:r>
-            <a:endParaRPr b="0" lang="en-US" sz="3200" spc="-1" strike="noStrike">
-              <a:latin typeface="Arial"/>
-            </a:endParaRPr>
-          </a:p>
-          <a:p>
-            <a:pPr marL="343080" indent="-342360">
-              <a:lnSpc>
-                <a:spcPct val="100000"/>
-              </a:lnSpc>
-              <a:spcBef>
-                <a:spcPts val="641"/>
-              </a:spcBef>
-              <a:buClr>
-                <a:srgbClr val="000000"/>
-              </a:buClr>
-              <a:buFont typeface="Arial"/>
-              <a:buChar char="•"/>
-            </a:pPr>
-            <a:r>
-              <a:rPr b="0" lang="en-US" sz="3200" spc="-1" strike="noStrike">
-                <a:solidFill>
-                  <a:srgbClr val="000000"/>
-                </a:solidFill>
-                <a:latin typeface="Calibri"/>
-              </a:rPr>
-              <a:t>Sarah Blaffer Hrdy</a:t>
-            </a:r>
-            <a:endParaRPr b="0" lang="en-US" sz="3200" spc="-1" strike="noStrike">
-              <a:latin typeface="Arial"/>
-            </a:endParaRPr>
-          </a:p>
-          <a:p>
-            <a:pPr marL="343080" indent="-342360">
-              <a:lnSpc>
-                <a:spcPct val="100000"/>
-              </a:lnSpc>
-              <a:spcBef>
-                <a:spcPts val="641"/>
-              </a:spcBef>
-            </a:pPr>
-            <a:endParaRPr b="0" lang="en-US" sz="3200" spc="-1" strike="noStrike">
+            <a:r>
+              <a:rPr b="0" lang="en-US" sz="1800" spc="-1" strike="noStrike">
+                <a:latin typeface="Arial"/>
+              </a:rPr>
+              <a:t>For Levinas, the Home is precisely the event that terminates engagement, separating the individual from the immediacy of his enjoyment. “Man abides in the world as having come to it from a private domain, from being at home with himself, in which at each moment that he retires” </a:t>
+            </a:r>
+            <a:endParaRPr b="0" lang="en-US" sz="1800" spc="-1" strike="noStrike">
+              <a:latin typeface="Arial"/>
+            </a:endParaRPr>
+          </a:p>
+          <a:p>
+            <a:endParaRPr b="0" lang="en-US" sz="1800" spc="-1" strike="noStrike">
+              <a:latin typeface="Arial"/>
+            </a:endParaRPr>
+          </a:p>
+          <a:p>
+            <a:r>
+              <a:rPr b="0" lang="en-US" sz="1800" spc="-1" strike="noStrike">
+                <a:latin typeface="Arial"/>
+              </a:rPr>
+              <a:t>labour in its possessive grasp suspends the independence of the element… as property the thing is an existent that has lost its being” (158). </a:t>
+            </a:r>
+            <a:endParaRPr b="0" lang="en-US" sz="1800" spc="-1" strike="noStrike">
+              <a:latin typeface="Arial"/>
+            </a:endParaRPr>
+          </a:p>
+          <a:p>
+            <a:endParaRPr b="0" lang="en-US" sz="1800" spc="-1" strike="noStrike">
+              <a:latin typeface="Arial"/>
+            </a:endParaRPr>
+          </a:p>
+          <a:p>
+            <a:r>
+              <a:rPr b="0" lang="en-US" sz="1800" spc="-1" strike="noStrike">
+                <a:latin typeface="Arial"/>
+              </a:rPr>
+              <a:t>For Levinas, the realm of generality is populated not by property or by objects, but by works.</a:t>
+            </a:r>
+            <a:endParaRPr b="0" lang="en-US" sz="1800" spc="-1" strike="noStrike">
+              <a:latin typeface="Arial"/>
+            </a:endParaRPr>
+          </a:p>
+          <a:p>
+            <a:endParaRPr b="0" lang="en-US" sz="1800" spc="-1" strike="noStrike">
+              <a:latin typeface="Arial"/>
+            </a:endParaRPr>
+          </a:p>
+          <a:p>
+            <a:r>
+              <a:rPr b="0" lang="en-US" sz="1800" spc="-1" strike="noStrike">
+                <a:latin typeface="Arial"/>
+              </a:rPr>
+              <a:t>Levinas challenges the authority of these thematic organizing principles by demonstrating that before consciousness can appropriate the ex-ternal, the self is already ex-posed, already open to otherness. From the very beginning, the suum is already directed by its responsibility to other people.</a:t>
+            </a:r>
+            <a:endParaRPr b="0" lang="en-US" sz="1800" spc="-1" strike="noStrike">
               <a:latin typeface="Arial"/>
             </a:endParaRPr>
           </a:p>
@@ -4482,6 +5936,394 @@
 </p:sld>
 </file>
 
+<file path=ppt/slides/slide20.xml><?xml version="1.0" encoding="utf-8"?>
+<p:sld xmlns:a="http://schemas.openxmlformats.org/drawingml/2006/main" xmlns:p="http://schemas.openxmlformats.org/presentationml/2006/main" xmlns:r="http://schemas.openxmlformats.org/officeDocument/2006/relationships" xmlns:p14="http://schemas.microsoft.com/office/powerpoint/2010/main" xmlns:p15="http://schemas.microsoft.com/office/powerpoint/2012/main" xmlns:mc="http://schemas.openxmlformats.org/markup-compatibility/2006">
+  <p:cSld>
+    <p:spTree>
+      <p:nvGrpSpPr>
+        <p:cNvPr id="1" name=""/>
+        <p:cNvGrpSpPr/>
+        <p:nvPr/>
+      </p:nvGrpSpPr>
+      <p:grpSpPr>
+        <a:xfrm>
+          <a:off x="0" y="0"/>
+          <a:ext cx="0" cy="0"/>
+          <a:chOff x="0" y="0"/>
+          <a:chExt cx="0" cy="0"/>
+        </a:xfrm>
+      </p:grpSpPr>
+      <p:sp>
+        <p:nvSpPr>
+          <p:cNvPr id="115" name="CustomShape 1"/>
+          <p:cNvSpPr/>
+          <p:nvPr/>
+        </p:nvSpPr>
+        <p:spPr>
+          <a:xfrm>
+            <a:off x="457200" y="274680"/>
+            <a:ext cx="8228520" cy="1141920"/>
+          </a:xfrm>
+          <a:prstGeom prst="rect">
+            <a:avLst/>
+          </a:prstGeom>
+          <a:noFill/>
+          <a:ln>
+            <a:noFill/>
+          </a:ln>
+        </p:spPr>
+        <p:style>
+          <a:lnRef idx="0"/>
+          <a:fillRef idx="0"/>
+          <a:effectRef idx="0"/>
+          <a:fontRef idx="minor"/>
+        </p:style>
+        <p:txBody>
+          <a:bodyPr lIns="90000" rIns="90000" tIns="45000" bIns="45000" anchor="ctr"/>
+          <a:p>
+            <a:pPr algn="ctr">
+              <a:lnSpc>
+                <a:spcPct val="100000"/>
+              </a:lnSpc>
+            </a:pPr>
+            <a:r>
+              <a:rPr b="0" lang="en-US" sz="4400" spc="-1" strike="noStrike">
+                <a:solidFill>
+                  <a:srgbClr val="000000"/>
+                </a:solidFill>
+                <a:latin typeface="Calibri"/>
+                <a:ea typeface="DejaVu Sans"/>
+              </a:rPr>
+              <a:t>Birth</a:t>
+            </a:r>
+            <a:endParaRPr b="0" lang="en-US" sz="4400" spc="-1" strike="noStrike">
+              <a:latin typeface="Arial"/>
+            </a:endParaRPr>
+          </a:p>
+        </p:txBody>
+      </p:sp>
+      <p:sp>
+        <p:nvSpPr>
+          <p:cNvPr id="116" name="CustomShape 2"/>
+          <p:cNvSpPr/>
+          <p:nvPr/>
+        </p:nvSpPr>
+        <p:spPr>
+          <a:xfrm>
+            <a:off x="457200" y="1600200"/>
+            <a:ext cx="8228520" cy="4524840"/>
+          </a:xfrm>
+          <a:prstGeom prst="rect">
+            <a:avLst/>
+          </a:prstGeom>
+          <a:noFill/>
+          <a:ln>
+            <a:noFill/>
+          </a:ln>
+        </p:spPr>
+        <p:style>
+          <a:lnRef idx="0"/>
+          <a:fillRef idx="0"/>
+          <a:effectRef idx="0"/>
+          <a:fontRef idx="minor"/>
+        </p:style>
+      </p:sp>
+    </p:spTree>
+  </p:cSld>
+</p:sld>
+</file>
+
+<file path=ppt/slides/slide21.xml><?xml version="1.0" encoding="utf-8"?>
+<p:sld xmlns:a="http://schemas.openxmlformats.org/drawingml/2006/main" xmlns:p="http://schemas.openxmlformats.org/presentationml/2006/main" xmlns:r="http://schemas.openxmlformats.org/officeDocument/2006/relationships" xmlns:p14="http://schemas.microsoft.com/office/powerpoint/2010/main" xmlns:p15="http://schemas.microsoft.com/office/powerpoint/2012/main" xmlns:mc="http://schemas.openxmlformats.org/markup-compatibility/2006">
+  <p:cSld>
+    <p:spTree>
+      <p:nvGrpSpPr>
+        <p:cNvPr id="1" name=""/>
+        <p:cNvGrpSpPr/>
+        <p:nvPr/>
+      </p:nvGrpSpPr>
+      <p:grpSpPr>
+        <a:xfrm>
+          <a:off x="0" y="0"/>
+          <a:ext cx="0" cy="0"/>
+          <a:chOff x="0" y="0"/>
+          <a:chExt cx="0" cy="0"/>
+        </a:xfrm>
+      </p:grpSpPr>
+      <p:sp>
+        <p:nvSpPr>
+          <p:cNvPr id="117" name="CustomShape 1"/>
+          <p:cNvSpPr/>
+          <p:nvPr/>
+        </p:nvSpPr>
+        <p:spPr>
+          <a:xfrm>
+            <a:off x="457200" y="274680"/>
+            <a:ext cx="8228520" cy="1141920"/>
+          </a:xfrm>
+          <a:prstGeom prst="rect">
+            <a:avLst/>
+          </a:prstGeom>
+          <a:noFill/>
+          <a:ln>
+            <a:noFill/>
+          </a:ln>
+        </p:spPr>
+        <p:style>
+          <a:lnRef idx="0"/>
+          <a:fillRef idx="0"/>
+          <a:effectRef idx="0"/>
+          <a:fontRef idx="minor"/>
+        </p:style>
+        <p:txBody>
+          <a:bodyPr lIns="90000" rIns="90000" tIns="45000" bIns="45000" anchor="ctr"/>
+          <a:p>
+            <a:pPr algn="ctr">
+              <a:lnSpc>
+                <a:spcPct val="100000"/>
+              </a:lnSpc>
+            </a:pPr>
+            <a:r>
+              <a:rPr b="0" lang="en-US" sz="4400" spc="-1" strike="noStrike">
+                <a:solidFill>
+                  <a:srgbClr val="000000"/>
+                </a:solidFill>
+                <a:latin typeface="Calibri"/>
+                <a:ea typeface="DejaVu Sans"/>
+              </a:rPr>
+              <a:t>Maternal Practice</a:t>
+            </a:r>
+            <a:endParaRPr b="0" lang="en-US" sz="4400" spc="-1" strike="noStrike">
+              <a:latin typeface="Arial"/>
+            </a:endParaRPr>
+          </a:p>
+        </p:txBody>
+      </p:sp>
+      <p:sp>
+        <p:nvSpPr>
+          <p:cNvPr id="118" name="CustomShape 2"/>
+          <p:cNvSpPr/>
+          <p:nvPr/>
+        </p:nvSpPr>
+        <p:spPr>
+          <a:xfrm>
+            <a:off x="457200" y="1600200"/>
+            <a:ext cx="8228520" cy="4524840"/>
+          </a:xfrm>
+          <a:prstGeom prst="rect">
+            <a:avLst/>
+          </a:prstGeom>
+          <a:noFill/>
+          <a:ln>
+            <a:noFill/>
+          </a:ln>
+        </p:spPr>
+        <p:style>
+          <a:lnRef idx="0"/>
+          <a:fillRef idx="0"/>
+          <a:effectRef idx="0"/>
+          <a:fontRef idx="minor"/>
+        </p:style>
+      </p:sp>
+    </p:spTree>
+  </p:cSld>
+</p:sld>
+</file>
+
+<file path=ppt/slides/slide22.xml><?xml version="1.0" encoding="utf-8"?>
+<p:sld xmlns:a="http://schemas.openxmlformats.org/drawingml/2006/main" xmlns:p="http://schemas.openxmlformats.org/presentationml/2006/main" xmlns:r="http://schemas.openxmlformats.org/officeDocument/2006/relationships" xmlns:p14="http://schemas.microsoft.com/office/powerpoint/2010/main" xmlns:p15="http://schemas.microsoft.com/office/powerpoint/2012/main" xmlns:mc="http://schemas.openxmlformats.org/markup-compatibility/2006">
+  <p:cSld>
+    <p:spTree>
+      <p:nvGrpSpPr>
+        <p:cNvPr id="1" name=""/>
+        <p:cNvGrpSpPr/>
+        <p:nvPr/>
+      </p:nvGrpSpPr>
+      <p:grpSpPr>
+        <a:xfrm>
+          <a:off x="0" y="0"/>
+          <a:ext cx="0" cy="0"/>
+          <a:chOff x="0" y="0"/>
+          <a:chExt cx="0" cy="0"/>
+        </a:xfrm>
+      </p:grpSpPr>
+      <p:sp>
+        <p:nvSpPr>
+          <p:cNvPr id="119" name="CustomShape 1"/>
+          <p:cNvSpPr/>
+          <p:nvPr/>
+        </p:nvSpPr>
+        <p:spPr>
+          <a:xfrm>
+            <a:off x="457200" y="274680"/>
+            <a:ext cx="8228520" cy="1141920"/>
+          </a:xfrm>
+          <a:prstGeom prst="rect">
+            <a:avLst/>
+          </a:prstGeom>
+          <a:noFill/>
+          <a:ln>
+            <a:noFill/>
+          </a:ln>
+        </p:spPr>
+        <p:style>
+          <a:lnRef idx="0"/>
+          <a:fillRef idx="0"/>
+          <a:effectRef idx="0"/>
+          <a:fontRef idx="minor"/>
+        </p:style>
+        <p:txBody>
+          <a:bodyPr lIns="90000" rIns="90000" tIns="45000" bIns="45000" anchor="ctr"/>
+          <a:p>
+            <a:pPr algn="ctr">
+              <a:lnSpc>
+                <a:spcPct val="100000"/>
+              </a:lnSpc>
+            </a:pPr>
+            <a:r>
+              <a:rPr b="0" lang="en-US" sz="4400" spc="-1" strike="noStrike">
+                <a:solidFill>
+                  <a:srgbClr val="000000"/>
+                </a:solidFill>
+                <a:latin typeface="Calibri"/>
+                <a:ea typeface="DejaVu Sans"/>
+              </a:rPr>
+              <a:t>Allomothering</a:t>
+            </a:r>
+            <a:endParaRPr b="0" lang="en-US" sz="4400" spc="-1" strike="noStrike">
+              <a:latin typeface="Arial"/>
+            </a:endParaRPr>
+          </a:p>
+        </p:txBody>
+      </p:sp>
+      <p:sp>
+        <p:nvSpPr>
+          <p:cNvPr id="120" name="CustomShape 2"/>
+          <p:cNvSpPr/>
+          <p:nvPr/>
+        </p:nvSpPr>
+        <p:spPr>
+          <a:xfrm>
+            <a:off x="457200" y="1600200"/>
+            <a:ext cx="8228520" cy="4524840"/>
+          </a:xfrm>
+          <a:prstGeom prst="rect">
+            <a:avLst/>
+          </a:prstGeom>
+          <a:noFill/>
+          <a:ln>
+            <a:noFill/>
+          </a:ln>
+        </p:spPr>
+        <p:style>
+          <a:lnRef idx="0"/>
+          <a:fillRef idx="0"/>
+          <a:effectRef idx="0"/>
+          <a:fontRef idx="minor"/>
+        </p:style>
+      </p:sp>
+    </p:spTree>
+  </p:cSld>
+</p:sld>
+</file>
+
+<file path=ppt/slides/slide23.xml><?xml version="1.0" encoding="utf-8"?>
+<p:sld xmlns:a="http://schemas.openxmlformats.org/drawingml/2006/main" xmlns:p="http://schemas.openxmlformats.org/presentationml/2006/main" xmlns:r="http://schemas.openxmlformats.org/officeDocument/2006/relationships" xmlns:p14="http://schemas.microsoft.com/office/powerpoint/2010/main" xmlns:p15="http://schemas.microsoft.com/office/powerpoint/2012/main" xmlns:mc="http://schemas.openxmlformats.org/markup-compatibility/2006">
+  <p:cSld>
+    <p:spTree>
+      <p:nvGrpSpPr>
+        <p:cNvPr id="1" name=""/>
+        <p:cNvGrpSpPr/>
+        <p:nvPr/>
+      </p:nvGrpSpPr>
+      <p:grpSpPr>
+        <a:xfrm>
+          <a:off x="0" y="0"/>
+          <a:ext cx="0" cy="0"/>
+          <a:chOff x="0" y="0"/>
+          <a:chExt cx="0" cy="0"/>
+        </a:xfrm>
+      </p:grpSpPr>
+      <p:sp>
+        <p:nvSpPr>
+          <p:cNvPr id="121" name="CustomShape 1"/>
+          <p:cNvSpPr/>
+          <p:nvPr/>
+        </p:nvSpPr>
+        <p:spPr>
+          <a:xfrm>
+            <a:off x="457200" y="274680"/>
+            <a:ext cx="8228520" cy="1141920"/>
+          </a:xfrm>
+          <a:prstGeom prst="rect">
+            <a:avLst/>
+          </a:prstGeom>
+          <a:noFill/>
+          <a:ln>
+            <a:noFill/>
+          </a:ln>
+        </p:spPr>
+        <p:style>
+          <a:lnRef idx="0"/>
+          <a:fillRef idx="0"/>
+          <a:effectRef idx="0"/>
+          <a:fontRef idx="minor"/>
+        </p:style>
+        <p:txBody>
+          <a:bodyPr lIns="90000" rIns="90000" tIns="45000" bIns="45000" anchor="ctr"/>
+          <a:p>
+            <a:pPr algn="ctr">
+              <a:lnSpc>
+                <a:spcPct val="100000"/>
+              </a:lnSpc>
+            </a:pPr>
+            <a:r>
+              <a:rPr b="0" lang="en-US" sz="4400" spc="-1" strike="noStrike">
+                <a:solidFill>
+                  <a:srgbClr val="000000"/>
+                </a:solidFill>
+                <a:latin typeface="Calibri"/>
+                <a:ea typeface="DejaVu Sans"/>
+              </a:rPr>
+              <a:t>Granarchism</a:t>
+            </a:r>
+            <a:endParaRPr b="0" lang="en-US" sz="4400" spc="-1" strike="noStrike">
+              <a:latin typeface="Arial"/>
+            </a:endParaRPr>
+          </a:p>
+        </p:txBody>
+      </p:sp>
+      <p:sp>
+        <p:nvSpPr>
+          <p:cNvPr id="122" name="CustomShape 2"/>
+          <p:cNvSpPr/>
+          <p:nvPr/>
+        </p:nvSpPr>
+        <p:spPr>
+          <a:xfrm>
+            <a:off x="457200" y="1600200"/>
+            <a:ext cx="8228520" cy="4524840"/>
+          </a:xfrm>
+          <a:prstGeom prst="rect">
+            <a:avLst/>
+          </a:prstGeom>
+          <a:noFill/>
+          <a:ln>
+            <a:noFill/>
+          </a:ln>
+        </p:spPr>
+        <p:style>
+          <a:lnRef idx="0"/>
+          <a:fillRef idx="0"/>
+          <a:effectRef idx="0"/>
+          <a:fontRef idx="minor"/>
+        </p:style>
+      </p:sp>
+    </p:spTree>
+  </p:cSld>
+</p:sld>
+</file>
+
 <file path=ppt/slides/slide3.xml><?xml version="1.0" encoding="utf-8"?>
 <p:sld xmlns:a="http://schemas.openxmlformats.org/drawingml/2006/main" xmlns:p="http://schemas.openxmlformats.org/presentationml/2006/main" xmlns:r="http://schemas.openxmlformats.org/officeDocument/2006/relationships" xmlns:p14="http://schemas.microsoft.com/office/powerpoint/2010/main" xmlns:p15="http://schemas.microsoft.com/office/powerpoint/2012/main" xmlns:mc="http://schemas.openxmlformats.org/markup-compatibility/2006">
   <p:cSld>
@@ -4501,14 +6343,14 @@
       </p:grpSpPr>
       <p:sp>
         <p:nvSpPr>
-          <p:cNvPr id="80" name="CustomShape 1"/>
-          <p:cNvSpPr/>
+          <p:cNvPr id="80" name="TextShape 1"/>
+          <p:cNvSpPr txBox="1"/>
           <p:nvPr/>
         </p:nvSpPr>
         <p:spPr>
           <a:xfrm>
-            <a:off x="457200" y="274680"/>
-            <a:ext cx="8228880" cy="1142280"/>
+            <a:off x="457200" y="273600"/>
+            <a:ext cx="8228880" cy="1144440"/>
           </a:xfrm>
           <a:prstGeom prst="rect">
             <a:avLst/>
@@ -4518,23 +6360,26 @@
             <a:noFill/>
           </a:ln>
         </p:spPr>
-        <p:style>
-          <a:lnRef idx="0"/>
-          <a:fillRef idx="0"/>
-          <a:effectRef idx="0"/>
-          <a:fontRef idx="minor"/>
-        </p:style>
-      </p:sp>
-      <p:sp>
-        <p:nvSpPr>
-          <p:cNvPr id="81" name="CustomShape 2"/>
-          <p:cNvSpPr/>
+        <p:txBody>
+          <a:bodyPr lIns="0" rIns="0" tIns="0" bIns="0" anchor="ctr"/>
+          <a:p>
+            <a:pPr algn="ctr"/>
+            <a:endParaRPr b="0" lang="en-US" sz="4400" spc="-1" strike="noStrike">
+              <a:latin typeface="Arial"/>
+            </a:endParaRPr>
+          </a:p>
+        </p:txBody>
+      </p:sp>
+      <p:sp>
+        <p:nvSpPr>
+          <p:cNvPr id="81" name="TextShape 2"/>
+          <p:cNvSpPr txBox="1"/>
           <p:nvPr/>
         </p:nvSpPr>
         <p:spPr>
           <a:xfrm>
-            <a:off x="2286000" y="2560320"/>
-            <a:ext cx="4571640" cy="857880"/>
+            <a:off x="457200" y="1604520"/>
+            <a:ext cx="8046720" cy="3161880"/>
           </a:xfrm>
           <a:prstGeom prst="rect">
             <a:avLst/>
@@ -4544,31 +6389,35 @@
             <a:noFill/>
           </a:ln>
         </p:spPr>
-        <p:style>
-          <a:lnRef idx="0"/>
-          <a:fillRef idx="0"/>
-          <a:effectRef idx="0"/>
-          <a:fontRef idx="minor"/>
-        </p:style>
         <p:txBody>
           <a:bodyPr lIns="90000" rIns="90000" tIns="45000" bIns="45000"/>
           <a:p>
-            <a:pPr>
-              <a:lnSpc>
-                <a:spcPct val="100000"/>
-              </a:lnSpc>
-            </a:pPr>
             <a:r>
               <a:rPr b="0" lang="en-US" sz="1800" spc="-1" strike="noStrike">
                 <a:latin typeface="Arial"/>
               </a:rPr>
-              <a:t>“</a:t>
-            </a:r>
+              <a:t>It is utterly impossible to draw a distinction between the work of each of these men. To measure the work by its results leads us to an absurdity; to divide the total work and to measure its fractions by the number of hours spent on the work also leads us to absurdity. One thing remains: to put needs above works, and first of all to recognize the right to live, and later on the right to well-being for all those who took their share in production. (231)</a:t>
+            </a:r>
+            <a:endParaRPr b="0" lang="en-US" sz="1800" spc="-1" strike="noStrike">
+              <a:latin typeface="Arial"/>
+            </a:endParaRPr>
+          </a:p>
+          <a:p>
+            <a:endParaRPr b="0" lang="en-US" sz="1800" spc="-1" strike="noStrike">
+              <a:latin typeface="Arial"/>
+            </a:endParaRPr>
+          </a:p>
+          <a:p>
+            <a:endParaRPr b="0" lang="en-US" sz="1800" spc="-1" strike="noStrike">
+              <a:latin typeface="Arial"/>
+            </a:endParaRPr>
+          </a:p>
+          <a:p>
             <a:r>
               <a:rPr b="0" lang="en-US" sz="1800" spc="-1" strike="noStrike">
                 <a:latin typeface="Arial"/>
               </a:rPr>
-              <a:t>a feature of the greatest importance for the maintenance of life, the preservation of each species, and its further evolution,</a:t>
+              <a:t>In Introduction to Metaphysics, Heidegger elaborates his characterization of the Greek concept of Being, physis, as the self-blossoming emergence of Being, as something that manifests through the dynamics of violence, power, and struggle.</a:t>
             </a:r>
             <a:endParaRPr b="0" lang="en-US" sz="1800" spc="-1" strike="noStrike">
               <a:latin typeface="Arial"/>
@@ -4627,14 +6476,14 @@
       </p:grpSpPr>
       <p:sp>
         <p:nvSpPr>
-          <p:cNvPr id="82" name="CustomShape 1"/>
-          <p:cNvSpPr/>
+          <p:cNvPr id="82" name="TextShape 1"/>
+          <p:cNvSpPr txBox="1"/>
           <p:nvPr/>
         </p:nvSpPr>
         <p:spPr>
           <a:xfrm>
-            <a:off x="457200" y="274680"/>
-            <a:ext cx="8228880" cy="365040"/>
+            <a:off x="457200" y="273600"/>
+            <a:ext cx="8228880" cy="1144440"/>
           </a:xfrm>
           <a:prstGeom prst="rect">
             <a:avLst/>
@@ -4644,68 +6493,26 @@
             <a:noFill/>
           </a:ln>
         </p:spPr>
-        <p:style>
-          <a:lnRef idx="0"/>
-          <a:fillRef idx="0"/>
-          <a:effectRef idx="0"/>
-          <a:fontRef idx="minor"/>
-        </p:style>
         <p:txBody>
           <a:bodyPr lIns="0" rIns="0" tIns="0" bIns="0" anchor="ctr"/>
           <a:p>
-            <a:pPr>
-              <a:lnSpc>
-                <a:spcPct val="100000"/>
-              </a:lnSpc>
-            </a:pPr>
-            <a:r>
-              <a:rPr b="0" lang="en-US" sz="1800" spc="-1" strike="noStrike">
-                <a:solidFill>
-                  <a:srgbClr val="000000"/>
-                </a:solidFill>
-                <a:latin typeface="Calibri"/>
-              </a:rPr>
-              <a:t>Nuclear Family</a:t>
-            </a:r>
-            <a:endParaRPr b="0" lang="en-US" sz="1800" spc="-1" strike="noStrike">
-              <a:latin typeface="Arial"/>
-            </a:endParaRPr>
-          </a:p>
-        </p:txBody>
-      </p:sp>
-      <p:pic>
-        <p:nvPicPr>
-          <p:cNvPr id="83" name="" descr=""/>
-          <p:cNvPicPr/>
+            <a:pPr algn="ctr"/>
+            <a:endParaRPr b="0" lang="en-US" sz="4400" spc="-1" strike="noStrike">
+              <a:latin typeface="Arial"/>
+            </a:endParaRPr>
+          </a:p>
+        </p:txBody>
+      </p:sp>
+      <p:sp>
+        <p:nvSpPr>
+          <p:cNvPr id="83" name="TextShape 2"/>
+          <p:cNvSpPr txBox="1"/>
           <p:nvPr/>
-        </p:nvPicPr>
-        <p:blipFill>
-          <a:blip r:embed="rId1"/>
-          <a:stretch/>
-        </p:blipFill>
-        <p:spPr>
-          <a:xfrm>
-            <a:off x="1280160" y="640080"/>
-            <a:ext cx="5028840" cy="3771720"/>
-          </a:xfrm>
-          <a:prstGeom prst="rect">
-            <a:avLst/>
-          </a:prstGeom>
-          <a:ln>
-            <a:noFill/>
-          </a:ln>
-        </p:spPr>
-      </p:pic>
-      <p:sp>
-        <p:nvSpPr>
-          <p:cNvPr id="84" name="CustomShape 2"/>
-          <p:cNvSpPr/>
-          <p:nvPr/>
-        </p:nvSpPr>
-        <p:spPr>
-          <a:xfrm>
-            <a:off x="548640" y="4389120"/>
-            <a:ext cx="8229240" cy="4023000"/>
+        </p:nvSpPr>
+        <p:spPr>
+          <a:xfrm>
+            <a:off x="548640" y="1604520"/>
+            <a:ext cx="8321040" cy="1114200"/>
           </a:xfrm>
           <a:prstGeom prst="rect">
             <a:avLst/>
@@ -4715,144 +6522,26 @@
             <a:noFill/>
           </a:ln>
         </p:spPr>
-        <p:style>
-          <a:lnRef idx="0"/>
-          <a:fillRef idx="0"/>
-          <a:effectRef idx="0"/>
-          <a:fontRef idx="minor"/>
-        </p:style>
         <p:txBody>
           <a:bodyPr lIns="90000" rIns="90000" tIns="45000" bIns="45000"/>
           <a:p>
-            <a:pPr>
-              <a:lnSpc>
-                <a:spcPct val="100000"/>
-              </a:lnSpc>
-            </a:pPr>
             <a:r>
               <a:rPr b="0" lang="en-US" sz="1800" spc="-1" strike="noStrike">
                 <a:latin typeface="Arial"/>
               </a:rPr>
-              <a:t>“</a:t>
+              <a:t>  </a:t>
             </a:r>
             <a:r>
               <a:rPr b="0" lang="en-US" sz="1800" spc="-1" strike="noStrike">
                 <a:latin typeface="Arial"/>
               </a:rPr>
-              <a:t>Abolish the nuclear family” Sophie Lewis</a:t>
+              <a:t>In contrast, Levinas remarks that “the idea of causa sui … is belied by birth, non-chosen and impossible to choose … which situates the will in an anarchic world, that is, a world without origin.”</a:t>
             </a:r>
             <a:endParaRPr b="0" lang="en-US" sz="1800" spc="-1" strike="noStrike">
               <a:latin typeface="Arial"/>
             </a:endParaRPr>
           </a:p>
           <a:p>
-            <a:pPr>
-              <a:lnSpc>
-                <a:spcPct val="100000"/>
-              </a:lnSpc>
-            </a:pPr>
-            <a:r>
-              <a:rPr b="0" lang="en-US" sz="1800" spc="-1" strike="noStrike">
-                <a:latin typeface="Arial"/>
-              </a:rPr>
-              <a:t>Do whatever the fuck you want </a:t>
-            </a:r>
-            <a:endParaRPr b="0" lang="en-US" sz="1800" spc="-1" strike="noStrike">
-              <a:latin typeface="Arial"/>
-            </a:endParaRPr>
-          </a:p>
-          <a:p>
-            <a:pPr>
-              <a:lnSpc>
-                <a:spcPct val="100000"/>
-              </a:lnSpc>
-            </a:pPr>
-            <a:endParaRPr b="0" lang="en-US" sz="1800" spc="-1" strike="noStrike">
-              <a:latin typeface="Arial"/>
-            </a:endParaRPr>
-          </a:p>
-          <a:p>
-            <a:pPr>
-              <a:lnSpc>
-                <a:spcPct val="100000"/>
-              </a:lnSpc>
-            </a:pPr>
-            <a:r>
-              <a:rPr b="0" lang="en-US" sz="1800" spc="-1" strike="noStrike">
-                <a:latin typeface="Arial"/>
-              </a:rPr>
-              <a:t>Let the baby have his bottle.  That’s my motto. – Homer Simpson</a:t>
-            </a:r>
-            <a:endParaRPr b="0" lang="en-US" sz="1800" spc="-1" strike="noStrike">
-              <a:latin typeface="Arial"/>
-            </a:endParaRPr>
-          </a:p>
-          <a:p>
-            <a:pPr>
-              <a:lnSpc>
-                <a:spcPct val="100000"/>
-              </a:lnSpc>
-            </a:pPr>
-            <a:r>
-              <a:rPr b="0" lang="en-US" sz="1800" spc="-1" strike="noStrike">
-                <a:latin typeface="Arial"/>
-              </a:rPr>
-              <a:t>Nuclear family. </a:t>
-            </a:r>
-            <a:endParaRPr b="0" lang="en-US" sz="1800" spc="-1" strike="noStrike">
-              <a:latin typeface="Arial"/>
-            </a:endParaRPr>
-          </a:p>
-          <a:p>
-            <a:pPr>
-              <a:lnSpc>
-                <a:spcPct val="100000"/>
-              </a:lnSpc>
-            </a:pPr>
-            <a:r>
-              <a:rPr b="0" lang="en-US" sz="1800" spc="-1" strike="noStrike">
-                <a:latin typeface="Arial"/>
-              </a:rPr>
-              <a:t> “</a:t>
-            </a:r>
-            <a:r>
-              <a:rPr b="0" lang="en-US" sz="1800" spc="-1" strike="noStrike">
-                <a:latin typeface="Arial"/>
-              </a:rPr>
-              <a:t>Religion is the opium of the people. It is the sigh of the oppressed creature, the heart of a heartless world, and the soul of our soulless conditions.”</a:t>
-            </a:r>
-            <a:endParaRPr b="0" lang="en-US" sz="1800" spc="-1" strike="noStrike">
-              <a:latin typeface="Arial"/>
-            </a:endParaRPr>
-          </a:p>
-          <a:p>
-            <a:pPr>
-              <a:lnSpc>
-                <a:spcPct val="100000"/>
-              </a:lnSpc>
-            </a:pPr>
-            <a:r>
-              <a:rPr b="0" lang="en-US" sz="1800" spc="-1" strike="noStrike">
-                <a:latin typeface="Arial"/>
-              </a:rPr>
-              <a:t>Let the poor slobs have religion.  Religion as a tying together</a:t>
-            </a:r>
-            <a:endParaRPr b="0" lang="en-US" sz="1800" spc="-1" strike="noStrike">
-              <a:latin typeface="Arial"/>
-            </a:endParaRPr>
-          </a:p>
-          <a:p>
-            <a:pPr>
-              <a:lnSpc>
-                <a:spcPct val="100000"/>
-              </a:lnSpc>
-            </a:pPr>
-            <a:r>
-              <a:rPr b="0" lang="en-US" sz="1800" spc="-1" strike="noStrike">
-                <a:latin typeface="Arial"/>
-              </a:rPr>
-              <a:t>The heart of a heartless world, and the soul of soulless conditions</a:t>
-            </a:r>
             <a:endParaRPr b="0" lang="en-US" sz="1800" spc="-1" strike="noStrike">
               <a:latin typeface="Arial"/>
             </a:endParaRPr>
@@ -4910,14 +6599,14 @@
       </p:grpSpPr>
       <p:sp>
         <p:nvSpPr>
-          <p:cNvPr id="85" name="CustomShape 1"/>
-          <p:cNvSpPr/>
+          <p:cNvPr id="84" name="TextShape 1"/>
+          <p:cNvSpPr txBox="1"/>
           <p:nvPr/>
         </p:nvSpPr>
         <p:spPr>
           <a:xfrm>
-            <a:off x="457200" y="274680"/>
-            <a:ext cx="8228880" cy="1142280"/>
+            <a:off x="457200" y="273600"/>
+            <a:ext cx="8228880" cy="1144440"/>
           </a:xfrm>
           <a:prstGeom prst="rect">
             <a:avLst/>
@@ -4927,23 +6616,26 @@
             <a:noFill/>
           </a:ln>
         </p:spPr>
-        <p:style>
-          <a:lnRef idx="0"/>
-          <a:fillRef idx="0"/>
-          <a:effectRef idx="0"/>
-          <a:fontRef idx="minor"/>
-        </p:style>
-      </p:sp>
-      <p:sp>
-        <p:nvSpPr>
-          <p:cNvPr id="86" name="CustomShape 2"/>
-          <p:cNvSpPr/>
+        <p:txBody>
+          <a:bodyPr lIns="0" rIns="0" tIns="0" bIns="0" anchor="ctr"/>
+          <a:p>
+            <a:pPr algn="ctr"/>
+            <a:endParaRPr b="0" lang="en-US" sz="4400" spc="-1" strike="noStrike">
+              <a:latin typeface="Arial"/>
+            </a:endParaRPr>
+          </a:p>
+        </p:txBody>
+      </p:sp>
+      <p:sp>
+        <p:nvSpPr>
+          <p:cNvPr id="85" name="TextShape 2"/>
+          <p:cNvSpPr txBox="1"/>
           <p:nvPr/>
         </p:nvSpPr>
         <p:spPr>
           <a:xfrm>
-            <a:off x="640080" y="1737360"/>
-            <a:ext cx="7406280" cy="7000920"/>
+            <a:off x="548640" y="1645920"/>
+            <a:ext cx="7955280" cy="2138040"/>
           </a:xfrm>
           <a:prstGeom prst="rect">
             <a:avLst/>
@@ -4953,36 +6645,37 @@
             <a:noFill/>
           </a:ln>
         </p:spPr>
-        <p:style>
-          <a:lnRef idx="0"/>
-          <a:fillRef idx="0"/>
-          <a:effectRef idx="0"/>
-          <a:fontRef idx="minor"/>
-        </p:style>
         <p:txBody>
           <a:bodyPr lIns="90000" rIns="90000" tIns="45000" bIns="45000"/>
           <a:p>
-            <a:pPr>
-              <a:lnSpc>
-                <a:spcPct val="100000"/>
-              </a:lnSpc>
-            </a:pPr>
             <a:r>
               <a:rPr b="0" lang="en-US" sz="1800" spc="-1" strike="noStrike">
                 <a:latin typeface="Arial"/>
               </a:rPr>
-              <a:t>This talk will investigate Kropotkin's description of mutual aid as being critical for the evolution of a species.  The idea of "evolution" will be considered as a theory of Becoming, the way that identity and non-identity are persisted and not-persisted over time.  We will contrast our theory those that derive from Heraclitus (materialism, empiricism, Hume, Hobbes, Spinoza, Nietzsche, Heidegger, Deleuze, Simondon, Read, Bottici ...)), which posit Becoming as emerging from the dynamic clashes within a field of anonymous forces. My analysis, taken from Emmanuel Levinas, articulates Becoming a mode of relating to other persons through two moments: (1) the *metabolics* of consumption describe the process by which the material being of the other becomes the self, which Levinas explores under the motifs of eating and breathing; (2) the *genetics* of regeneration describe the way in which the material being of my self becomes the other, which Levinas describes under the motif of maternity.  I will explore "maternity" through what Sarah Ruddick calls *maternal practice* that preserves the life of the child, nourishes their growth and prepares them for acceptance in wider society.  Feminist anthropologist Sarah Blaffer Hrdy clarifies that what is important is not merely the person of the mother, but the community of *allomothering*-- particularly the *grandmother*, the person who takes care both of the child and the mother of the child, as the most fundamental resason for the evolution of human understanding and prosocial behavior.  The talk will end by reflecting on thinking across generations, as many native peoples do, about how we can enrich our regenerational thinking and practice as anarchists.</a:t>
+              <a:t>The Home in bell hooks</a:t>
             </a:r>
             <a:endParaRPr b="0" lang="en-US" sz="1800" spc="-1" strike="noStrike">
               <a:latin typeface="Arial"/>
             </a:endParaRPr>
           </a:p>
           <a:p>
-            <a:pPr>
-              <a:lnSpc>
-                <a:spcPct val="100000"/>
-              </a:lnSpc>
-            </a:pPr>
+            <a:r>
+              <a:rPr b="0" lang="en-US" sz="1800" spc="-1" strike="noStrike">
+                <a:latin typeface="Arial"/>
+              </a:rPr>
+              <a:t>why the interbeing is a separation</a:t>
+            </a:r>
+            <a:endParaRPr b="0" lang="en-US" sz="1800" spc="-1" strike="noStrike">
+              <a:latin typeface="Arial"/>
+            </a:endParaRPr>
+          </a:p>
+          <a:p>
+            <a:r>
+              <a:rPr b="0" lang="en-US" sz="1800" spc="-1" strike="noStrike">
+                <a:latin typeface="Arial"/>
+              </a:rPr>
+              <a:t>. In addition to reconsidering the importance of maternal care, other feminist thinkers have similarly re-evaluated the category of domestic nurturance. For example, bell hooks discusses how black women maintained what she calls ‘home place’ as a site of resistance against rampant racism, a refuge where people could gather and heal themselves from the wounds inflicted by a hostile society (2001, pp. 41–9).</a:t>
+            </a:r>
             <a:endParaRPr b="0" lang="en-US" sz="1800" spc="-1" strike="noStrike">
               <a:latin typeface="Arial"/>
             </a:endParaRPr>
@@ -5040,14 +6733,14 @@
       </p:grpSpPr>
       <p:sp>
         <p:nvSpPr>
-          <p:cNvPr id="87" name="CustomShape 1"/>
-          <p:cNvSpPr/>
+          <p:cNvPr id="86" name="TextShape 1"/>
+          <p:cNvSpPr txBox="1"/>
           <p:nvPr/>
         </p:nvSpPr>
         <p:spPr>
           <a:xfrm>
-            <a:off x="457200" y="274680"/>
-            <a:ext cx="8228880" cy="1142280"/>
+            <a:off x="457200" y="273600"/>
+            <a:ext cx="8228880" cy="1144440"/>
           </a:xfrm>
           <a:prstGeom prst="rect">
             <a:avLst/>
@@ -5057,29 +6750,10 @@
             <a:noFill/>
           </a:ln>
         </p:spPr>
-        <p:style>
-          <a:lnRef idx="0"/>
-          <a:fillRef idx="0"/>
-          <a:effectRef idx="0"/>
-          <a:fontRef idx="minor"/>
-        </p:style>
-        <p:txBody>
-          <a:bodyPr lIns="90000" rIns="90000" tIns="45000" bIns="45000" anchor="ctr"/>
-          <a:p>
-            <a:pPr algn="ctr">
-              <a:lnSpc>
-                <a:spcPct val="100000"/>
-              </a:lnSpc>
-            </a:pPr>
-            <a:r>
-              <a:rPr b="0" lang="en-US" sz="4400" spc="-1" strike="noStrike">
-                <a:solidFill>
-                  <a:srgbClr val="000000"/>
-                </a:solidFill>
-                <a:latin typeface="Calibri"/>
-              </a:rPr>
-              <a:t>What is Evolution</a:t>
-            </a:r>
+        <p:txBody>
+          <a:bodyPr lIns="0" rIns="0" tIns="0" bIns="0" anchor="ctr"/>
+          <a:p>
+            <a:pPr algn="ctr"/>
             <a:endParaRPr b="0" lang="en-US" sz="4400" spc="-1" strike="noStrike">
               <a:latin typeface="Arial"/>
             </a:endParaRPr>
@@ -5088,14 +6762,14 @@
       </p:sp>
       <p:sp>
         <p:nvSpPr>
-          <p:cNvPr id="88" name="CustomShape 2"/>
-          <p:cNvSpPr/>
+          <p:cNvPr id="87" name="TextShape 2"/>
+          <p:cNvSpPr txBox="1"/>
           <p:nvPr/>
         </p:nvSpPr>
         <p:spPr>
           <a:xfrm>
-            <a:off x="457200" y="1600200"/>
-            <a:ext cx="8228880" cy="4525200"/>
+            <a:off x="457200" y="1554480"/>
+            <a:ext cx="8321040" cy="1626120"/>
           </a:xfrm>
           <a:prstGeom prst="rect">
             <a:avLst/>
@@ -5105,174 +6779,42 @@
             <a:noFill/>
           </a:ln>
         </p:spPr>
-        <p:style>
-          <a:lnRef idx="0"/>
-          <a:fillRef idx="0"/>
-          <a:effectRef idx="0"/>
-          <a:fontRef idx="minor"/>
-        </p:style>
-        <p:txBody>
-          <a:bodyPr lIns="90000" rIns="90000" tIns="45000" bIns="45000">
-            <a:normAutofit/>
-          </a:bodyPr>
-          <a:p>
-            <a:pPr marL="343080" indent="-342360">
-              <a:lnSpc>
-                <a:spcPct val="100000"/>
-              </a:lnSpc>
-              <a:spcBef>
-                <a:spcPts val="641"/>
-              </a:spcBef>
-              <a:buClr>
-                <a:srgbClr val="000000"/>
-              </a:buClr>
-              <a:buFont typeface="Arial"/>
-              <a:buChar char="•"/>
-            </a:pPr>
-            <a:r>
-              <a:rPr b="0" lang="en-US" sz="3200" spc="-1" strike="noStrike">
-                <a:solidFill>
-                  <a:srgbClr val="000000"/>
-                </a:solidFill>
-                <a:latin typeface="Calibri"/>
-              </a:rPr>
-              <a:t>Becoming through time</a:t>
-            </a:r>
-            <a:endParaRPr b="0" lang="en-US" sz="3200" spc="-1" strike="noStrike">
-              <a:latin typeface="Arial"/>
-            </a:endParaRPr>
-          </a:p>
-          <a:p>
-            <a:pPr marL="343080" indent="-342360">
-              <a:lnSpc>
-                <a:spcPct val="100000"/>
-              </a:lnSpc>
-              <a:spcBef>
-                <a:spcPts val="641"/>
-              </a:spcBef>
-              <a:buClr>
-                <a:srgbClr val="000000"/>
-              </a:buClr>
-              <a:buFont typeface="Arial"/>
-              <a:buChar char="•"/>
-            </a:pPr>
-            <a:r>
-              <a:rPr b="0" lang="en-US" sz="3200" spc="-1" strike="noStrike">
-                <a:solidFill>
-                  <a:srgbClr val="000000"/>
-                </a:solidFill>
-                <a:latin typeface="Calibri"/>
-              </a:rPr>
-              <a:t>Becoming of the species through time.</a:t>
-            </a:r>
-            <a:endParaRPr b="0" lang="en-US" sz="3200" spc="-1" strike="noStrike">
-              <a:latin typeface="Arial"/>
-            </a:endParaRPr>
-          </a:p>
-          <a:p>
-            <a:pPr marL="343080" indent="-342360">
-              <a:lnSpc>
-                <a:spcPct val="100000"/>
-              </a:lnSpc>
-              <a:spcBef>
-                <a:spcPts val="641"/>
-              </a:spcBef>
-              <a:buClr>
-                <a:srgbClr val="000000"/>
-              </a:buClr>
-              <a:buFont typeface="Arial"/>
-              <a:buChar char="•"/>
-            </a:pPr>
-            <a:r>
-              <a:rPr b="0" lang="en-US" sz="3200" spc="-1" strike="noStrike">
-                <a:solidFill>
-                  <a:srgbClr val="000000"/>
-                </a:solidFill>
-                <a:latin typeface="Calibri"/>
-              </a:rPr>
-              <a:t>Persistence, how things stand</a:t>
-            </a:r>
-            <a:endParaRPr b="0" lang="en-US" sz="3200" spc="-1" strike="noStrike">
-              <a:latin typeface="Arial"/>
-            </a:endParaRPr>
-          </a:p>
-          <a:p>
-            <a:pPr marL="343080" indent="-342360">
-              <a:lnSpc>
-                <a:spcPct val="100000"/>
-              </a:lnSpc>
-              <a:spcBef>
-                <a:spcPts val="641"/>
-              </a:spcBef>
-              <a:buClr>
-                <a:srgbClr val="000000"/>
-              </a:buClr>
-              <a:buFont typeface="Arial"/>
-              <a:buChar char="•"/>
-            </a:pPr>
-            <a:r>
-              <a:rPr b="0" lang="en-US" sz="3200" spc="-1" strike="noStrike">
-                <a:solidFill>
-                  <a:srgbClr val="000000"/>
-                </a:solidFill>
-                <a:latin typeface="Calibri"/>
-              </a:rPr>
-              <a:t>Locke self-identity, etc  identity through flux</a:t>
-            </a:r>
-            <a:endParaRPr b="0" lang="en-US" sz="3200" spc="-1" strike="noStrike">
-              <a:latin typeface="Arial"/>
-            </a:endParaRPr>
-          </a:p>
-          <a:p>
-            <a:pPr>
-              <a:lnSpc>
-                <a:spcPct val="100000"/>
-              </a:lnSpc>
-              <a:spcBef>
-                <a:spcPts val="641"/>
-              </a:spcBef>
-            </a:pPr>
-            <a:br/>
-            <a:endParaRPr b="0" lang="en-US" sz="3200" spc="-1" strike="noStrike">
-              <a:latin typeface="Arial"/>
-            </a:endParaRPr>
-          </a:p>
-          <a:p>
-            <a:pPr>
-              <a:lnSpc>
-                <a:spcPct val="100000"/>
-              </a:lnSpc>
-              <a:spcBef>
-                <a:spcPts val="641"/>
-              </a:spcBef>
-            </a:pPr>
-            <a:endParaRPr b="0" lang="en-US" sz="3200" spc="-1" strike="noStrike">
-              <a:latin typeface="Arial"/>
-            </a:endParaRPr>
-          </a:p>
-          <a:p>
-            <a:pPr>
-              <a:lnSpc>
-                <a:spcPct val="100000"/>
-              </a:lnSpc>
-              <a:spcBef>
-                <a:spcPts val="641"/>
-              </a:spcBef>
-            </a:pPr>
-            <a:endParaRPr b="0" lang="en-US" sz="3200" spc="-1" strike="noStrike">
-              <a:latin typeface="Arial"/>
-            </a:endParaRPr>
-          </a:p>
-          <a:p>
-            <a:pPr>
-              <a:lnSpc>
-                <a:spcPct val="100000"/>
-              </a:lnSpc>
-              <a:spcBef>
-                <a:spcPts val="641"/>
-              </a:spcBef>
-            </a:pPr>
-            <a:endParaRPr b="0" lang="en-US" sz="3200" spc="-1" strike="noStrike">
+        <p:txBody>
+          <a:bodyPr lIns="90000" rIns="90000" tIns="45000" bIns="45000"/>
+          <a:p>
+            <a:r>
+              <a:rPr b="0" lang="en-US" sz="1800" spc="-1" strike="noStrike">
+                <a:latin typeface="Arial"/>
+              </a:rPr>
+              <a:t>Also a communion of needs, the companion, in aristotle the meal tub fellows.</a:t>
+            </a:r>
+            <a:endParaRPr b="0" lang="en-US" sz="1800" spc="-1" strike="noStrike">
+              <a:latin typeface="Arial"/>
+            </a:endParaRPr>
+          </a:p>
+          <a:p>
+            <a:endParaRPr b="0" lang="en-US" sz="1800" spc="-1" strike="noStrike">
+              <a:latin typeface="Arial"/>
+            </a:endParaRPr>
+          </a:p>
+          <a:p>
+            <a:r>
+              <a:rPr b="0" lang="en-US" sz="1800" spc="-1" strike="noStrike">
+                <a:latin typeface="Arial"/>
+              </a:rPr>
+              <a:t>Birth as different process of generation. A connection to other people as through a family, something volutary and involuntary connection with other people.</a:t>
+            </a:r>
+            <a:endParaRPr b="0" lang="en-US" sz="1800" spc="-1" strike="noStrike">
+              <a:latin typeface="Arial"/>
+            </a:endParaRPr>
+          </a:p>
+          <a:p>
+            <a:endParaRPr b="0" lang="en-US" sz="1800" spc="-1" strike="noStrike">
+              <a:latin typeface="Arial"/>
+            </a:endParaRPr>
+          </a:p>
+          <a:p>
+            <a:endParaRPr b="0" lang="en-US" sz="1800" spc="-1" strike="noStrike">
               <a:latin typeface="Arial"/>
             </a:endParaRPr>
           </a:p>
@@ -5329,14 +6871,14 @@
       </p:grpSpPr>
       <p:sp>
         <p:nvSpPr>
-          <p:cNvPr id="89" name="CustomShape 1"/>
-          <p:cNvSpPr/>
+          <p:cNvPr id="88" name="TextShape 1"/>
+          <p:cNvSpPr txBox="1"/>
           <p:nvPr/>
         </p:nvSpPr>
         <p:spPr>
           <a:xfrm>
-            <a:off x="457200" y="274680"/>
-            <a:ext cx="8228880" cy="1142280"/>
+            <a:off x="457200" y="273600"/>
+            <a:ext cx="8228880" cy="1144440"/>
           </a:xfrm>
           <a:prstGeom prst="rect">
             <a:avLst/>
@@ -5346,29 +6888,10 @@
             <a:noFill/>
           </a:ln>
         </p:spPr>
-        <p:style>
-          <a:lnRef idx="0"/>
-          <a:fillRef idx="0"/>
-          <a:effectRef idx="0"/>
-          <a:fontRef idx="minor"/>
-        </p:style>
-        <p:txBody>
-          <a:bodyPr lIns="90000" rIns="90000" tIns="45000" bIns="45000" anchor="ctr"/>
-          <a:p>
-            <a:pPr algn="ctr">
-              <a:lnSpc>
-                <a:spcPct val="100000"/>
-              </a:lnSpc>
-            </a:pPr>
-            <a:r>
-              <a:rPr b="0" lang="en-US" sz="4400" spc="-1" strike="noStrike">
-                <a:solidFill>
-                  <a:srgbClr val="000000"/>
-                </a:solidFill>
-                <a:latin typeface="Calibri"/>
-              </a:rPr>
-              <a:t>Marx Species Being</a:t>
-            </a:r>
+        <p:txBody>
+          <a:bodyPr lIns="0" rIns="0" tIns="0" bIns="0" anchor="ctr"/>
+          <a:p>
+            <a:pPr algn="ctr"/>
             <a:endParaRPr b="0" lang="en-US" sz="4400" spc="-1" strike="noStrike">
               <a:latin typeface="Arial"/>
             </a:endParaRPr>
@@ -5377,14 +6900,14 @@
       </p:sp>
       <p:sp>
         <p:nvSpPr>
-          <p:cNvPr id="90" name="CustomShape 2"/>
-          <p:cNvSpPr/>
+          <p:cNvPr id="89" name="TextShape 2"/>
+          <p:cNvSpPr txBox="1"/>
           <p:nvPr/>
         </p:nvSpPr>
         <p:spPr>
           <a:xfrm>
-            <a:off x="457200" y="1600200"/>
-            <a:ext cx="8228880" cy="4525200"/>
+            <a:off x="457200" y="1737360"/>
+            <a:ext cx="8321040" cy="1114200"/>
           </a:xfrm>
           <a:prstGeom prst="rect">
             <a:avLst/>
@@ -5394,161 +6917,43 @@
             <a:noFill/>
           </a:ln>
         </p:spPr>
-        <p:style>
-          <a:lnRef idx="0"/>
-          <a:fillRef idx="0"/>
-          <a:effectRef idx="0"/>
-          <a:fontRef idx="minor"/>
-        </p:style>
-        <p:txBody>
-          <a:bodyPr lIns="90000" rIns="90000" tIns="45000" bIns="45000">
-            <a:normAutofit/>
-          </a:bodyPr>
-          <a:p>
-            <a:pPr marL="343080" indent="-342360">
-              <a:lnSpc>
-                <a:spcPct val="100000"/>
-              </a:lnSpc>
-              <a:spcBef>
-                <a:spcPts val="641"/>
-              </a:spcBef>
-              <a:buClr>
-                <a:srgbClr val="000000"/>
-              </a:buClr>
-              <a:buFont typeface="Arial"/>
-              <a:buChar char="•"/>
-            </a:pPr>
-            <a:r>
-              <a:rPr b="0" lang="en-US" sz="3200" spc="-1" strike="noStrike">
-                <a:solidFill>
-                  <a:srgbClr val="000000"/>
-                </a:solidFill>
-                <a:latin typeface="Calibri"/>
-              </a:rPr>
-              <a:t>The life of the species, both in man and in animals, consists physically in the fact that man (like the animal) lives on organic nature; and the more universal man (or the animal) is, the more universal is the sphere of inorganic nature on which he lives.</a:t>
-            </a:r>
-            <a:endParaRPr b="0" lang="en-US" sz="3200" spc="-1" strike="noStrike">
-              <a:latin typeface="Arial"/>
-            </a:endParaRPr>
-          </a:p>
-          <a:p>
-            <a:pPr marL="343080" indent="-342360">
-              <a:lnSpc>
-                <a:spcPct val="100000"/>
-              </a:lnSpc>
-              <a:spcBef>
-                <a:spcPts val="641"/>
-              </a:spcBef>
-              <a:buClr>
-                <a:srgbClr val="000000"/>
-              </a:buClr>
-              <a:buFont typeface="Arial"/>
-              <a:buChar char="•"/>
-            </a:pPr>
-            <a:r>
-              <a:rPr b="0" lang="en-US" sz="3200" spc="-1" strike="noStrike">
-                <a:solidFill>
-                  <a:srgbClr val="000000"/>
-                </a:solidFill>
-                <a:latin typeface="Calibri"/>
-              </a:rPr>
-              <a:t>For labor, life activity, productive life itself, appears to man in the first place merely as a means of satisfying a need – the need to maintain physical existence. Yet the productive life is the life of the species. It is life-engendering life. The whole character of a species, its species-character, is contained in the character of its life activity; and free, conscious activity is man’s species-character. Life itself appears only as a means to life.</a:t>
-            </a:r>
-            <a:endParaRPr b="0" lang="en-US" sz="3200" spc="-1" strike="noStrike">
-              <a:latin typeface="Arial"/>
-            </a:endParaRPr>
-          </a:p>
-          <a:p>
-            <a:pPr marL="343080" indent="-342360">
-              <a:lnSpc>
-                <a:spcPct val="100000"/>
-              </a:lnSpc>
-              <a:spcBef>
-                <a:spcPts val="641"/>
-              </a:spcBef>
-              <a:buClr>
-                <a:srgbClr val="000000"/>
-              </a:buClr>
-              <a:buFont typeface="Arial"/>
-              <a:buChar char="•"/>
-            </a:pPr>
-            <a:r>
-              <a:rPr b="0" lang="en-US" sz="3200" spc="-1" strike="noStrike">
-                <a:solidFill>
-                  <a:srgbClr val="000000"/>
-                </a:solidFill>
-                <a:latin typeface="Calibri"/>
-              </a:rPr>
-              <a:t>(4) An immediate consequence of the fact that man is estranged from the product of his labor, from his life activity, from his species-being, is the estrangement of man from man. When man confronts himself, he confronts the other man. What applies to a man’s relation to his work, to the product of his labor and to himself, also holds of a man’s relation to the other man, and to the other man’s labor and object of labor.</a:t>
-            </a:r>
-            <a:endParaRPr b="0" lang="en-US" sz="3200" spc="-1" strike="noStrike">
-              <a:latin typeface="Arial"/>
-            </a:endParaRPr>
-          </a:p>
-          <a:p>
-            <a:pPr marL="343080" indent="-342360">
-              <a:lnSpc>
-                <a:spcPct val="100000"/>
-              </a:lnSpc>
-              <a:spcBef>
-                <a:spcPts val="641"/>
-              </a:spcBef>
-              <a:buClr>
-                <a:srgbClr val="000000"/>
-              </a:buClr>
-              <a:buFont typeface="Arial"/>
-              <a:buChar char="•"/>
-            </a:pPr>
-            <a:r>
-              <a:rPr b="0" lang="en-US" sz="3200" spc="-1" strike="noStrike">
-                <a:solidFill>
-                  <a:srgbClr val="000000"/>
-                </a:solidFill>
-                <a:latin typeface="Calibri"/>
-              </a:rPr>
-              <a:t>WHEN MAN CONFRONTS HIMSELF HE CONFRONTS THE OTHER MAN</a:t>
-            </a:r>
-            <a:endParaRPr b="0" lang="en-US" sz="3200" spc="-1" strike="noStrike">
-              <a:latin typeface="Arial"/>
-            </a:endParaRPr>
-          </a:p>
-          <a:p>
-            <a:pPr>
-              <a:lnSpc>
-                <a:spcPct val="100000"/>
-              </a:lnSpc>
-              <a:spcBef>
-                <a:spcPts val="641"/>
-              </a:spcBef>
-            </a:pPr>
-            <a:br/>
-            <a:endParaRPr b="0" lang="en-US" sz="3200" spc="-1" strike="noStrike">
-              <a:latin typeface="Arial"/>
-            </a:endParaRPr>
-          </a:p>
-          <a:p>
-            <a:pPr>
-              <a:lnSpc>
-                <a:spcPct val="100000"/>
-              </a:lnSpc>
-              <a:spcBef>
-                <a:spcPts val="641"/>
-              </a:spcBef>
-            </a:pPr>
-            <a:endParaRPr b="0" lang="en-US" sz="3200" spc="-1" strike="noStrike">
-              <a:latin typeface="Arial"/>
-            </a:endParaRPr>
-          </a:p>
-          <a:p>
-            <a:pPr>
-              <a:lnSpc>
-                <a:spcPct val="100000"/>
-              </a:lnSpc>
-              <a:spcBef>
-                <a:spcPts val="641"/>
-              </a:spcBef>
-            </a:pPr>
-            <a:endParaRPr b="0" lang="en-US" sz="3200" spc="-1" strike="noStrike">
+        <p:txBody>
+          <a:bodyPr lIns="90000" rIns="90000" tIns="45000" bIns="45000"/>
+          <a:p>
+            <a:r>
+              <a:rPr b="0" lang="en-US" sz="1800" spc="-1" strike="noStrike">
+                <a:latin typeface="Arial"/>
+              </a:rPr>
+              <a:t>Two quotes from Alexis Pauline Gumbs</a:t>
+            </a:r>
+            <a:endParaRPr b="0" lang="en-US" sz="1800" spc="-1" strike="noStrike">
+              <a:latin typeface="Arial"/>
+            </a:endParaRPr>
+          </a:p>
+          <a:p>
+            <a:r>
+              <a:rPr b="0" lang="en-US" sz="1800" spc="-1" strike="noStrike">
+                <a:latin typeface="Arial"/>
+              </a:rPr>
+              <a:t>One from rest about them shedding skin and becoming other</a:t>
+            </a:r>
+            <a:endParaRPr b="0" lang="en-US" sz="1800" spc="-1" strike="noStrike">
+              <a:latin typeface="Arial"/>
+            </a:endParaRPr>
+          </a:p>
+          <a:p>
+            <a:r>
+              <a:rPr b="0" lang="en-US" sz="1800" spc="-1" strike="noStrike">
+                <a:latin typeface="Arial"/>
+              </a:rPr>
+              <a:t>The other about allomothering</a:t>
+            </a:r>
+            <a:endParaRPr b="0" lang="en-US" sz="1800" spc="-1" strike="noStrike">
+              <a:latin typeface="Arial"/>
+            </a:endParaRPr>
+          </a:p>
+          <a:p>
+            <a:endParaRPr b="0" lang="en-US" sz="1800" spc="-1" strike="noStrike">
               <a:latin typeface="Arial"/>
             </a:endParaRPr>
           </a:p>
@@ -5605,14 +7010,14 @@
       </p:grpSpPr>
       <p:sp>
         <p:nvSpPr>
-          <p:cNvPr id="91" name="CustomShape 1"/>
+          <p:cNvPr id="90" name="CustomShape 1"/>
           <p:cNvSpPr/>
           <p:nvPr/>
         </p:nvSpPr>
         <p:spPr>
           <a:xfrm>
             <a:off x="457200" y="274680"/>
-            <a:ext cx="8228880" cy="1142280"/>
+            <a:ext cx="8228520" cy="1141920"/>
           </a:xfrm>
           <a:prstGeom prst="rect">
             <a:avLst/>
@@ -5642,8 +7047,9 @@
                   <a:srgbClr val="000000"/>
                 </a:solidFill>
                 <a:latin typeface="Calibri"/>
-              </a:rPr>
-              <a:t>Heraclitean Becoming</a:t>
+                <a:ea typeface="DejaVu Sans"/>
+              </a:rPr>
+              <a:t>Dialogue on Nature of Evolution</a:t>
             </a:r>
             <a:endParaRPr b="0" lang="en-US" sz="4400" spc="-1" strike="noStrike">
               <a:latin typeface="Arial"/>
@@ -5653,14 +7059,14 @@
       </p:sp>
       <p:sp>
         <p:nvSpPr>
-          <p:cNvPr id="92" name="CustomShape 2"/>
+          <p:cNvPr id="91" name="CustomShape 2"/>
           <p:cNvSpPr/>
           <p:nvPr/>
         </p:nvSpPr>
         <p:spPr>
           <a:xfrm>
             <a:off x="457200" y="1600200"/>
-            <a:ext cx="8228880" cy="4525200"/>
+            <a:ext cx="8228520" cy="4524840"/>
           </a:xfrm>
           <a:prstGeom prst="rect">
             <a:avLst/>
@@ -5677,11 +7083,9 @@
           <a:fontRef idx="minor"/>
         </p:style>
         <p:txBody>
-          <a:bodyPr lIns="90000" rIns="90000" tIns="45000" bIns="45000">
-            <a:normAutofit/>
-          </a:bodyPr>
-          <a:p>
-            <a:pPr marL="343080" indent="-342360">
+          <a:bodyPr lIns="90000" rIns="90000" tIns="45000" bIns="45000"/>
+          <a:p>
+            <a:pPr marL="343080" indent="-342000">
               <a:lnSpc>
                 <a:spcPct val="100000"/>
               </a:lnSpc>
@@ -5700,15 +7104,16 @@
                   <a:srgbClr val="000000"/>
                 </a:solidFill>
                 <a:latin typeface="Calibri"/>
-              </a:rPr>
-              <a:t>Force</a:t>
-            </a:r>
-            <a:endParaRPr b="0" lang="en-US" sz="3200" spc="-1" strike="noStrike">
-              <a:latin typeface="Arial"/>
-            </a:endParaRPr>
-          </a:p>
-          <a:p>
-            <a:pPr marL="343080" indent="-342360">
+                <a:ea typeface="DejaVu Sans"/>
+              </a:rPr>
+              <a:t>Kropotkin</a:t>
+            </a:r>
+            <a:endParaRPr b="0" lang="en-US" sz="3200" spc="-1" strike="noStrike">
+              <a:latin typeface="Arial"/>
+            </a:endParaRPr>
+          </a:p>
+          <a:p>
+            <a:pPr marL="343080" indent="-342000">
               <a:lnSpc>
                 <a:spcPct val="100000"/>
               </a:lnSpc>
@@ -5727,375 +7132,16 @@
                   <a:srgbClr val="000000"/>
                 </a:solidFill>
                 <a:latin typeface="Calibri"/>
-              </a:rPr>
-              <a:t>Flux of forces</a:t>
-            </a:r>
-            <a:endParaRPr b="0" lang="en-US" sz="3200" spc="-1" strike="noStrike">
-              <a:latin typeface="Arial"/>
-            </a:endParaRPr>
-          </a:p>
-          <a:p>
-            <a:pPr marL="343080" indent="-342360">
-              <a:lnSpc>
-                <a:spcPct val="100000"/>
-              </a:lnSpc>
-              <a:spcBef>
-                <a:spcPts val="641"/>
-              </a:spcBef>
-              <a:buClr>
-                <a:srgbClr val="000000"/>
-              </a:buClr>
-              <a:buFont typeface="Arial"/>
-              <a:buChar char="•"/>
-            </a:pPr>
-            <a:r>
-              <a:rPr b="0" lang="en-US" sz="3200" spc="-1" strike="noStrike">
-                <a:solidFill>
-                  <a:srgbClr val="000000"/>
-                </a:solidFill>
-                <a:latin typeface="Calibri"/>
-              </a:rPr>
-              <a:t>Powers</a:t>
-            </a:r>
-            <a:endParaRPr b="0" lang="en-US" sz="3200" spc="-1" strike="noStrike">
-              <a:latin typeface="Arial"/>
-            </a:endParaRPr>
-          </a:p>
-          <a:p>
-            <a:pPr marL="343080" indent="-342360">
-              <a:lnSpc>
-                <a:spcPct val="100000"/>
-              </a:lnSpc>
-              <a:spcBef>
-                <a:spcPts val="641"/>
-              </a:spcBef>
-              <a:buClr>
-                <a:srgbClr val="000000"/>
-              </a:buClr>
-              <a:buFont typeface="Arial"/>
-              <a:buChar char="•"/>
-            </a:pPr>
-            <a:r>
-              <a:rPr b="0" lang="en-US" sz="3200" spc="-1" strike="noStrike">
-                <a:solidFill>
-                  <a:srgbClr val="000000"/>
-                </a:solidFill>
-                <a:latin typeface="Calibri"/>
-              </a:rPr>
-              <a:t>Anonymous</a:t>
-            </a:r>
-            <a:endParaRPr b="0" lang="en-US" sz="3200" spc="-1" strike="noStrike">
-              <a:latin typeface="Arial"/>
-            </a:endParaRPr>
-          </a:p>
-          <a:p>
-            <a:pPr>
-              <a:lnSpc>
-                <a:spcPct val="100000"/>
-              </a:lnSpc>
-              <a:spcBef>
-                <a:spcPts val="641"/>
-              </a:spcBef>
-            </a:pPr>
-            <a:endParaRPr b="0" lang="en-US" sz="3200" spc="-1" strike="noStrike">
-              <a:latin typeface="Arial"/>
-            </a:endParaRPr>
-          </a:p>
-          <a:p>
-            <a:pPr marL="343080" indent="-342360">
-              <a:lnSpc>
-                <a:spcPct val="100000"/>
-              </a:lnSpc>
-              <a:spcBef>
-                <a:spcPts val="641"/>
-              </a:spcBef>
-              <a:buClr>
-                <a:srgbClr val="000000"/>
-              </a:buClr>
-              <a:buFont typeface="Arial"/>
-              <a:buChar char="•"/>
-            </a:pPr>
-            <a:r>
-              <a:rPr b="0" lang="en-US" sz="3200" spc="-1" strike="noStrike">
-                <a:solidFill>
-                  <a:srgbClr val="000000"/>
-                </a:solidFill>
-                <a:latin typeface="Calibri"/>
-              </a:rPr>
-              <a:t>He identifies nutrition and</a:t>
-            </a:r>
-            <a:endParaRPr b="0" lang="en-US" sz="3200" spc="-1" strike="noStrike">
-              <a:latin typeface="Arial"/>
-            </a:endParaRPr>
-          </a:p>
-          <a:p>
-            <a:pPr marL="343080" indent="-342360">
-              <a:lnSpc>
-                <a:spcPct val="100000"/>
-              </a:lnSpc>
-              <a:spcBef>
-                <a:spcPts val="641"/>
-              </a:spcBef>
-              <a:buClr>
-                <a:srgbClr val="000000"/>
-              </a:buClr>
-              <a:buFont typeface="Arial"/>
-              <a:buChar char="•"/>
-            </a:pPr>
-            <a:r>
-              <a:rPr b="0" lang="en-US" sz="3200" spc="-1" strike="noStrike">
-                <a:solidFill>
-                  <a:srgbClr val="000000"/>
-                </a:solidFill>
-                <a:latin typeface="Calibri"/>
-              </a:rPr>
-              <a:t>reproduction as more basic than the others. For Aristotle, nutrition is not nutrients</a:t>
-            </a:r>
-            <a:endParaRPr b="0" lang="en-US" sz="3200" spc="-1" strike="noStrike">
-              <a:latin typeface="Arial"/>
-            </a:endParaRPr>
-          </a:p>
-          <a:p>
-            <a:pPr marL="343080" indent="-342360">
-              <a:lnSpc>
-                <a:spcPct val="100000"/>
-              </a:lnSpc>
-              <a:spcBef>
-                <a:spcPts val="641"/>
-              </a:spcBef>
-              <a:buClr>
-                <a:srgbClr val="000000"/>
-              </a:buClr>
-              <a:buFont typeface="Arial"/>
-              <a:buChar char="•"/>
-            </a:pPr>
-            <a:r>
-              <a:rPr b="0" lang="en-US" sz="3200" spc="-1" strike="noStrike">
-                <a:solidFill>
-                  <a:srgbClr val="000000"/>
-                </a:solidFill>
-                <a:latin typeface="Calibri"/>
-              </a:rPr>
-              <a:t>(food) but rather the internal capacity or “power”[dynamis, in ancient Greek] of</a:t>
-            </a:r>
-            <a:endParaRPr b="0" lang="en-US" sz="3200" spc="-1" strike="noStrike">
-              <a:latin typeface="Arial"/>
-            </a:endParaRPr>
-          </a:p>
-          <a:p>
-            <a:pPr marL="343080" indent="-342360">
-              <a:lnSpc>
-                <a:spcPct val="100000"/>
-              </a:lnSpc>
-              <a:spcBef>
-                <a:spcPts val="641"/>
-              </a:spcBef>
-              <a:buClr>
-                <a:srgbClr val="000000"/>
-              </a:buClr>
-              <a:buFont typeface="Arial"/>
-              <a:buChar char="•"/>
-            </a:pPr>
-            <a:r>
-              <a:rPr b="0" lang="en-US" sz="3200" spc="-1" strike="noStrike">
-                <a:solidFill>
-                  <a:srgbClr val="000000"/>
-                </a:solidFill>
-                <a:latin typeface="Calibri"/>
-              </a:rPr>
-              <a:t>an organism to acquire (absorb), process (digest), and use nutrients for biological</a:t>
-            </a:r>
-            <a:endParaRPr b="0" lang="en-US" sz="3200" spc="-1" strike="noStrike">
-              <a:latin typeface="Arial"/>
-            </a:endParaRPr>
-          </a:p>
-          <a:p>
-            <a:pPr marL="343080" indent="-342360">
-              <a:lnSpc>
-                <a:spcPct val="100000"/>
-              </a:lnSpc>
-              <a:spcBef>
-                <a:spcPts val="641"/>
-              </a:spcBef>
-              <a:buClr>
-                <a:srgbClr val="000000"/>
-              </a:buClr>
-              <a:buFont typeface="Arial"/>
-              <a:buChar char="•"/>
-            </a:pPr>
-            <a:r>
-              <a:rPr b="0" lang="en-US" sz="3200" spc="-1" strike="noStrike">
-                <a:solidFill>
-                  <a:srgbClr val="000000"/>
-                </a:solidFill>
-                <a:latin typeface="Calibri"/>
-              </a:rPr>
-              <a:t>ends such as development, growth, maintenance, and repair; tellingly, he uses the</a:t>
-            </a:r>
-            <a:endParaRPr b="0" lang="en-US" sz="3200" spc="-1" strike="noStrike">
-              <a:latin typeface="Arial"/>
-            </a:endParaRPr>
-          </a:p>
-          <a:p>
-            <a:pPr marL="343080" indent="-342360">
-              <a:lnSpc>
-                <a:spcPct val="100000"/>
-              </a:lnSpc>
-              <a:spcBef>
-                <a:spcPts val="641"/>
-              </a:spcBef>
-              <a:buClr>
-                <a:srgbClr val="000000"/>
-              </a:buClr>
-              <a:buFont typeface="Arial"/>
-              <a:buChar char="•"/>
-            </a:pPr>
-            <a:r>
-              <a:rPr b="0" lang="en-US" sz="3200" spc="-1" strike="noStrike">
-                <a:solidFill>
-                  <a:srgbClr val="000000"/>
-                </a:solidFill>
-                <a:latin typeface="Calibri"/>
-              </a:rPr>
-              <a:t>terms “self-nutrition”and “nutrition”interchangeably in his writing</a:t>
-            </a:r>
-            <a:endParaRPr b="0" lang="en-US" sz="3200" spc="-1" strike="noStrike">
-              <a:latin typeface="Arial"/>
-            </a:endParaRPr>
-          </a:p>
-          <a:p>
-            <a:pPr marL="343080" indent="-342360">
-              <a:lnSpc>
-                <a:spcPct val="100000"/>
-              </a:lnSpc>
-              <a:spcBef>
-                <a:spcPts val="641"/>
-              </a:spcBef>
-              <a:buClr>
-                <a:srgbClr val="000000"/>
-              </a:buClr>
-              <a:buFont typeface="Arial"/>
-              <a:buChar char="•"/>
-            </a:pPr>
-            <a:r>
-              <a:rPr b="0" lang="en-US" sz="1800" spc="-1" strike="noStrike">
-                <a:solidFill>
-                  <a:srgbClr val="000000"/>
-                </a:solidFill>
-                <a:latin typeface="Calibri"/>
-              </a:rPr>
-              <a:t>F=ma newton</a:t>
-            </a:r>
-            <a:br/>
-            <a:r>
-              <a:rPr b="0" lang="en-US" sz="3200" spc="-1" strike="noStrike">
-                <a:solidFill>
-                  <a:srgbClr val="000000"/>
-                </a:solidFill>
-                <a:latin typeface="Calibri"/>
-              </a:rPr>
-              <a:t>"spontaneous assembly" "emergence"</a:t>
-            </a:r>
-            <a:endParaRPr b="0" lang="en-US" sz="3200" spc="-1" strike="noStrike">
-              <a:latin typeface="Arial"/>
-            </a:endParaRPr>
-          </a:p>
-          <a:p>
-            <a:pPr marL="343080" indent="-342360">
-              <a:lnSpc>
-                <a:spcPct val="100000"/>
-              </a:lnSpc>
-              <a:spcBef>
-                <a:spcPts val="641"/>
-              </a:spcBef>
-              <a:buClr>
-                <a:srgbClr val="000000"/>
-              </a:buClr>
-              <a:buFont typeface="Arial"/>
-              <a:buChar char="•"/>
-            </a:pPr>
-            <a:r>
-              <a:rPr b="0" lang="en-US" sz="3200" spc="-1" strike="noStrike">
-                <a:solidFill>
-                  <a:srgbClr val="000000"/>
-                </a:solidFill>
-                <a:latin typeface="Calibri"/>
-              </a:rPr>
-              <a:t>Affects of collisions</a:t>
-            </a:r>
-            <a:endParaRPr b="0" lang="en-US" sz="3200" spc="-1" strike="noStrike">
-              <a:latin typeface="Arial"/>
-            </a:endParaRPr>
-          </a:p>
-          <a:p>
-            <a:pPr>
-              <a:lnSpc>
-                <a:spcPct val="100000"/>
-              </a:lnSpc>
-              <a:spcBef>
-                <a:spcPts val="641"/>
-              </a:spcBef>
-            </a:pPr>
-            <a:endParaRPr b="0" lang="en-US" sz="3200" spc="-1" strike="noStrike">
-              <a:latin typeface="Arial"/>
-            </a:endParaRPr>
-          </a:p>
-          <a:p>
-            <a:pPr marL="343080" indent="-342360">
-              <a:lnSpc>
-                <a:spcPct val="100000"/>
-              </a:lnSpc>
-              <a:spcBef>
-                <a:spcPts val="641"/>
-              </a:spcBef>
-              <a:buClr>
-                <a:srgbClr val="000000"/>
-              </a:buClr>
-              <a:buFont typeface="Arial"/>
-              <a:buChar char="•"/>
-            </a:pPr>
-            <a:r>
-              <a:rPr b="0" lang="en-US" sz="3200" spc="-1" strike="noStrike">
-                <a:solidFill>
-                  <a:srgbClr val="000000"/>
-                </a:solidFill>
-                <a:latin typeface="Calibri"/>
-              </a:rPr>
-              <a:t>early science question of mechanism, how things work together, how things are produced. what is the singular collisions of atoms and the consistency of consiosuness</a:t>
-            </a:r>
-            <a:endParaRPr b="0" lang="en-US" sz="3200" spc="-1" strike="noStrike">
-              <a:latin typeface="Arial"/>
-            </a:endParaRPr>
-          </a:p>
-          <a:p>
-            <a:pPr>
-              <a:lnSpc>
-                <a:spcPct val="100000"/>
-              </a:lnSpc>
-              <a:spcBef>
-                <a:spcPts val="641"/>
-              </a:spcBef>
-            </a:pPr>
-            <a:br/>
-            <a:endParaRPr b="0" lang="en-US" sz="3200" spc="-1" strike="noStrike">
-              <a:latin typeface="Arial"/>
-            </a:endParaRPr>
-          </a:p>
-          <a:p>
-            <a:pPr marL="343080" indent="-342360">
-              <a:lnSpc>
-                <a:spcPct val="100000"/>
-              </a:lnSpc>
-              <a:spcBef>
-                <a:spcPts val="641"/>
-              </a:spcBef>
-            </a:pPr>
-            <a:endParaRPr b="0" lang="en-US" sz="3200" spc="-1" strike="noStrike">
-              <a:latin typeface="Arial"/>
-            </a:endParaRPr>
-          </a:p>
-          <a:p>
-            <a:pPr marL="343080" indent="-342360">
+                <a:ea typeface="DejaVu Sans"/>
+              </a:rPr>
+              <a:t>Sarah Blaffer Hrdy</a:t>
+            </a:r>
+            <a:endParaRPr b="0" lang="en-US" sz="3200" spc="-1" strike="noStrike">
+              <a:latin typeface="Arial"/>
+            </a:endParaRPr>
+          </a:p>
+          <a:p>
+            <a:pPr marL="343080" indent="-342000">
               <a:lnSpc>
                 <a:spcPct val="100000"/>
               </a:lnSpc>
@@ -6160,14 +7206,14 @@
       </p:grpSpPr>
       <p:sp>
         <p:nvSpPr>
-          <p:cNvPr id="93" name="TextShape 1"/>
-          <p:cNvSpPr txBox="1"/>
+          <p:cNvPr id="92" name="CustomShape 1"/>
+          <p:cNvSpPr/>
           <p:nvPr/>
         </p:nvSpPr>
         <p:spPr>
           <a:xfrm>
-            <a:off x="274320" y="1280160"/>
-            <a:ext cx="8778240" cy="1882080"/>
+            <a:off x="457200" y="274680"/>
+            <a:ext cx="8228520" cy="1141920"/>
           </a:xfrm>
           <a:prstGeom prst="rect">
             <a:avLst/>
@@ -6177,115 +7223,72 @@
             <a:noFill/>
           </a:ln>
         </p:spPr>
-        <p:txBody>
-          <a:bodyPr lIns="90000" rIns="90000" tIns="45000" bIns="45000"/>
-          <a:p>
-            <a:r>
-              <a:rPr b="0" lang="en-US" sz="1800" spc="-1" strike="noStrike">
-                <a:latin typeface="Arial"/>
-              </a:rPr>
-              <a:t>Two types of relation</a:t>
-            </a:r>
-            <a:endParaRPr b="0" lang="en-US" sz="1800" spc="-1" strike="noStrike">
-              <a:latin typeface="Arial"/>
-            </a:endParaRPr>
-          </a:p>
-          <a:p>
-            <a:endParaRPr b="0" lang="en-US" sz="1800" spc="-1" strike="noStrike">
-              <a:latin typeface="Arial"/>
-            </a:endParaRPr>
-          </a:p>
-          <a:p>
-            <a:r>
-              <a:rPr b="0" lang="en-US" sz="1800" spc="-1" strike="noStrike">
-                <a:latin typeface="Arial"/>
-              </a:rPr>
-              <a:t>Heraclitus, governed by laws of physcis, Newtonian or non-newtonian</a:t>
-            </a:r>
-            <a:endParaRPr b="0" lang="en-US" sz="1800" spc="-1" strike="noStrike">
-              <a:latin typeface="Arial"/>
-            </a:endParaRPr>
-          </a:p>
-          <a:p>
-            <a:r>
-              <a:rPr b="0" lang="en-US" sz="1800" spc="-1" strike="noStrike">
-                <a:latin typeface="Arial"/>
-              </a:rPr>
-              <a:t>Force and matter </a:t>
-            </a:r>
-            <a:endParaRPr b="0" lang="en-US" sz="1800" spc="-1" strike="noStrike">
-              <a:latin typeface="Arial"/>
-            </a:endParaRPr>
-          </a:p>
-          <a:p>
-            <a:endParaRPr b="0" lang="en-US" sz="1800" spc="-1" strike="noStrike">
-              <a:latin typeface="Arial"/>
-            </a:endParaRPr>
-          </a:p>
-          <a:p>
-            <a:r>
-              <a:rPr b="0" lang="en-US" sz="1800" spc="-1" strike="noStrike">
-                <a:latin typeface="Arial"/>
-              </a:rPr>
-              <a:t>Familial Relation</a:t>
-            </a:r>
-            <a:endParaRPr b="0" lang="en-US" sz="1800" spc="-1" strike="noStrike">
-              <a:latin typeface="Arial"/>
-            </a:endParaRPr>
-          </a:p>
-          <a:p>
-            <a:endParaRPr b="0" lang="en-US" sz="1800" spc="-1" strike="noStrike">
-              <a:latin typeface="Arial"/>
-            </a:endParaRPr>
-          </a:p>
-        </p:txBody>
-      </p:sp>
-      <p:pic>
-        <p:nvPicPr>
-          <p:cNvPr id="94" name="" descr=""/>
-          <p:cNvPicPr/>
+        <p:style>
+          <a:lnRef idx="0"/>
+          <a:fillRef idx="0"/>
+          <a:effectRef idx="0"/>
+          <a:fontRef idx="minor"/>
+        </p:style>
+      </p:sp>
+      <p:sp>
+        <p:nvSpPr>
+          <p:cNvPr id="93" name="CustomShape 2"/>
+          <p:cNvSpPr/>
           <p:nvPr/>
-        </p:nvPicPr>
-        <p:blipFill>
-          <a:blip r:embed="rId1"/>
-          <a:stretch/>
-        </p:blipFill>
-        <p:spPr>
-          <a:xfrm>
-            <a:off x="794160" y="3291840"/>
-            <a:ext cx="2529000" cy="1738440"/>
-          </a:xfrm>
-          <a:prstGeom prst="rect">
-            <a:avLst/>
-          </a:prstGeom>
+        </p:nvSpPr>
+        <p:spPr>
+          <a:xfrm>
+            <a:off x="2286000" y="2560320"/>
+            <a:ext cx="4571280" cy="857520"/>
+          </a:xfrm>
+          <a:prstGeom prst="rect">
+            <a:avLst/>
+          </a:prstGeom>
+          <a:noFill/>
           <a:ln>
             <a:noFill/>
           </a:ln>
         </p:spPr>
-      </p:pic>
-      <p:pic>
-        <p:nvPicPr>
-          <p:cNvPr id="95" name="" descr=""/>
-          <p:cNvPicPr/>
-          <p:nvPr/>
-        </p:nvPicPr>
-        <p:blipFill>
-          <a:blip r:embed="rId2"/>
-          <a:stretch/>
-        </p:blipFill>
-        <p:spPr>
-          <a:xfrm>
-            <a:off x="4889520" y="3219480"/>
-            <a:ext cx="3101400" cy="3089880"/>
-          </a:xfrm>
-          <a:prstGeom prst="rect">
-            <a:avLst/>
-          </a:prstGeom>
-          <a:ln>
-            <a:noFill/>
-          </a:ln>
-        </p:spPr>
-      </p:pic>
+        <p:style>
+          <a:lnRef idx="0"/>
+          <a:fillRef idx="0"/>
+          <a:effectRef idx="0"/>
+          <a:fontRef idx="minor"/>
+        </p:style>
+        <p:txBody>
+          <a:bodyPr lIns="90000" rIns="90000" tIns="45000" bIns="45000"/>
+          <a:p>
+            <a:pPr>
+              <a:lnSpc>
+                <a:spcPct val="100000"/>
+              </a:lnSpc>
+            </a:pPr>
+            <a:r>
+              <a:rPr b="0" lang="en-US" sz="1800" spc="-1" strike="noStrike">
+                <a:solidFill>
+                  <a:srgbClr val="000000"/>
+                </a:solidFill>
+                <a:latin typeface="Arial"/>
+                <a:ea typeface="DejaVu Sans"/>
+              </a:rPr>
+              <a:t>“</a:t>
+            </a:r>
+            <a:r>
+              <a:rPr b="0" lang="en-US" sz="1800" spc="-1" strike="noStrike">
+                <a:solidFill>
+                  <a:srgbClr val="000000"/>
+                </a:solidFill>
+                <a:latin typeface="Arial"/>
+                <a:ea typeface="DejaVu Sans"/>
+              </a:rPr>
+              <a:t>a feature of the greatest importance for the maintenance of life, the preservation of each species, and its further evolution,</a:t>
+            </a:r>
+            <a:endParaRPr b="0" lang="en-US" sz="1800" spc="-1" strike="noStrike">
+              <a:latin typeface="Arial"/>
+            </a:endParaRPr>
+          </a:p>
+        </p:txBody>
+      </p:sp>
     </p:spTree>
   </p:cSld>
   <p:timing>
